--- a/docs/syllabus/week_04_Probability/Class2/Images/binomial_coefficient.pptx
+++ b/docs/syllabus/week_04_Probability/Class2/Images/binomial_coefficient.pptx
@@ -260,7 +260,7 @@
           <a:p>
             <a:fld id="{B0DD2D16-75BF-9243-BF3A-7E234087A0F2}" type="datetimeFigureOut">
               <a:rPr lang="en-US" smtClean="0"/>
-              <a:t>9/22/21</a:t>
+              <a:t>10/14/21</a:t>
             </a:fld>
             <a:endParaRPr lang="en-US"/>
           </a:p>
@@ -458,7 +458,7 @@
           <a:p>
             <a:fld id="{B0DD2D16-75BF-9243-BF3A-7E234087A0F2}" type="datetimeFigureOut">
               <a:rPr lang="en-US" smtClean="0"/>
-              <a:t>9/22/21</a:t>
+              <a:t>10/14/21</a:t>
             </a:fld>
             <a:endParaRPr lang="en-US"/>
           </a:p>
@@ -666,7 +666,7 @@
           <a:p>
             <a:fld id="{B0DD2D16-75BF-9243-BF3A-7E234087A0F2}" type="datetimeFigureOut">
               <a:rPr lang="en-US" smtClean="0"/>
-              <a:t>9/22/21</a:t>
+              <a:t>10/14/21</a:t>
             </a:fld>
             <a:endParaRPr lang="en-US"/>
           </a:p>
@@ -864,7 +864,7 @@
           <a:p>
             <a:fld id="{B0DD2D16-75BF-9243-BF3A-7E234087A0F2}" type="datetimeFigureOut">
               <a:rPr lang="en-US" smtClean="0"/>
-              <a:t>9/22/21</a:t>
+              <a:t>10/14/21</a:t>
             </a:fld>
             <a:endParaRPr lang="en-US"/>
           </a:p>
@@ -1139,7 +1139,7 @@
           <a:p>
             <a:fld id="{B0DD2D16-75BF-9243-BF3A-7E234087A0F2}" type="datetimeFigureOut">
               <a:rPr lang="en-US" smtClean="0"/>
-              <a:t>9/22/21</a:t>
+              <a:t>10/14/21</a:t>
             </a:fld>
             <a:endParaRPr lang="en-US"/>
           </a:p>
@@ -1404,7 +1404,7 @@
           <a:p>
             <a:fld id="{B0DD2D16-75BF-9243-BF3A-7E234087A0F2}" type="datetimeFigureOut">
               <a:rPr lang="en-US" smtClean="0"/>
-              <a:t>9/22/21</a:t>
+              <a:t>10/14/21</a:t>
             </a:fld>
             <a:endParaRPr lang="en-US"/>
           </a:p>
@@ -1816,7 +1816,7 @@
           <a:p>
             <a:fld id="{B0DD2D16-75BF-9243-BF3A-7E234087A0F2}" type="datetimeFigureOut">
               <a:rPr lang="en-US" smtClean="0"/>
-              <a:t>9/22/21</a:t>
+              <a:t>10/14/21</a:t>
             </a:fld>
             <a:endParaRPr lang="en-US"/>
           </a:p>
@@ -1957,7 +1957,7 @@
           <a:p>
             <a:fld id="{B0DD2D16-75BF-9243-BF3A-7E234087A0F2}" type="datetimeFigureOut">
               <a:rPr lang="en-US" smtClean="0"/>
-              <a:t>9/22/21</a:t>
+              <a:t>10/14/21</a:t>
             </a:fld>
             <a:endParaRPr lang="en-US"/>
           </a:p>
@@ -2070,7 +2070,7 @@
           <a:p>
             <a:fld id="{B0DD2D16-75BF-9243-BF3A-7E234087A0F2}" type="datetimeFigureOut">
               <a:rPr lang="en-US" smtClean="0"/>
-              <a:t>9/22/21</a:t>
+              <a:t>10/14/21</a:t>
             </a:fld>
             <a:endParaRPr lang="en-US"/>
           </a:p>
@@ -2381,7 +2381,7 @@
           <a:p>
             <a:fld id="{B0DD2D16-75BF-9243-BF3A-7E234087A0F2}" type="datetimeFigureOut">
               <a:rPr lang="en-US" smtClean="0"/>
-              <a:t>9/22/21</a:t>
+              <a:t>10/14/21</a:t>
             </a:fld>
             <a:endParaRPr lang="en-US"/>
           </a:p>
@@ -2669,7 +2669,7 @@
           <a:p>
             <a:fld id="{B0DD2D16-75BF-9243-BF3A-7E234087A0F2}" type="datetimeFigureOut">
               <a:rPr lang="en-US" smtClean="0"/>
-              <a:t>9/22/21</a:t>
+              <a:t>10/14/21</a:t>
             </a:fld>
             <a:endParaRPr lang="en-US"/>
           </a:p>
@@ -2910,7 +2910,7 @@
           <a:p>
             <a:fld id="{B0DD2D16-75BF-9243-BF3A-7E234087A0F2}" type="datetimeFigureOut">
               <a:rPr lang="en-US" smtClean="0"/>
-              <a:t>9/22/21</a:t>
+              <a:t>10/14/21</a:t>
             </a:fld>
             <a:endParaRPr lang="en-US"/>
           </a:p>
@@ -3377,11 +3377,7 @@
             <a:p>
               <a:pPr algn="ctr"/>
               <a:r>
-                <a:rPr lang="en-US" sz="2000" b="1" dirty="0">
-                  <a:solidFill>
-                    <a:srgbClr val="0432FF"/>
-                  </a:solidFill>
-                </a:rPr>
+                <a:rPr lang="en-US" sz="2000" b="1" dirty="0"/>
                 <a:t>Coin toss</a:t>
               </a:r>
             </a:p>
@@ -3632,7 +3628,7 @@
               <a:r>
                 <a:rPr lang="en-US" sz="2000" b="1" dirty="0">
                   <a:solidFill>
-                    <a:srgbClr val="0432FF"/>
+                    <a:srgbClr val="FF0000"/>
                   </a:solidFill>
                 </a:rPr>
                 <a:t>T</a:t>
@@ -3710,7 +3706,7 @@
               <a:r>
                 <a:rPr lang="en-US" sz="2000" b="1" dirty="0">
                   <a:solidFill>
-                    <a:srgbClr val="0432FF"/>
+                    <a:srgbClr val="FF0000"/>
                   </a:solidFill>
                 </a:rPr>
                 <a:t>T</a:t>
@@ -3998,7 +3994,7 @@
               <a:r>
                 <a:rPr lang="en-US" sz="2000" b="1" dirty="0">
                   <a:solidFill>
-                    <a:srgbClr val="0432FF"/>
+                    <a:srgbClr val="FF0000"/>
                   </a:solidFill>
                 </a:rPr>
                 <a:t>T</a:t>
@@ -4076,7 +4072,31 @@
               <a:pPr algn="ctr"/>
               <a:r>
                 <a:rPr lang="en-US" dirty="0"/>
-                <a:t>P(H,H)</a:t>
+                <a:t>P(</a:t>
+              </a:r>
+              <a:r>
+                <a:rPr lang="en-US" dirty="0">
+                  <a:solidFill>
+                    <a:srgbClr val="0432FF"/>
+                  </a:solidFill>
+                </a:rPr>
+                <a:t>H</a:t>
+              </a:r>
+              <a:r>
+                <a:rPr lang="en-US" dirty="0"/>
+                <a:t>,</a:t>
+              </a:r>
+              <a:r>
+                <a:rPr lang="en-US" dirty="0">
+                  <a:solidFill>
+                    <a:srgbClr val="0432FF"/>
+                  </a:solidFill>
+                </a:rPr>
+                <a:t>H</a:t>
+              </a:r>
+              <a:r>
+                <a:rPr lang="en-US" dirty="0"/>
+                <a:t>)</a:t>
               </a:r>
             </a:p>
             <a:p>
@@ -4119,7 +4139,31 @@
               <a:pPr algn="ctr"/>
               <a:r>
                 <a:rPr lang="en-US" dirty="0"/>
-                <a:t>P(H,T)</a:t>
+                <a:t>P(</a:t>
+              </a:r>
+              <a:r>
+                <a:rPr lang="en-US" dirty="0">
+                  <a:solidFill>
+                    <a:srgbClr val="0432FF"/>
+                  </a:solidFill>
+                </a:rPr>
+                <a:t>H</a:t>
+              </a:r>
+              <a:r>
+                <a:rPr lang="en-US" dirty="0"/>
+                <a:t>,</a:t>
+              </a:r>
+              <a:r>
+                <a:rPr lang="en-US" dirty="0">
+                  <a:solidFill>
+                    <a:srgbClr val="FF0000"/>
+                  </a:solidFill>
+                </a:rPr>
+                <a:t>T</a:t>
+              </a:r>
+              <a:r>
+                <a:rPr lang="en-US" dirty="0"/>
+                <a:t>)</a:t>
               </a:r>
             </a:p>
             <a:p>
@@ -4162,7 +4206,31 @@
               <a:pPr algn="ctr"/>
               <a:r>
                 <a:rPr lang="en-US" dirty="0"/>
-                <a:t>P(T,H)</a:t>
+                <a:t>P(</a:t>
+              </a:r>
+              <a:r>
+                <a:rPr lang="en-US" dirty="0">
+                  <a:solidFill>
+                    <a:srgbClr val="FF0000"/>
+                  </a:solidFill>
+                </a:rPr>
+                <a:t>T</a:t>
+              </a:r>
+              <a:r>
+                <a:rPr lang="en-US" dirty="0"/>
+                <a:t>,</a:t>
+              </a:r>
+              <a:r>
+                <a:rPr lang="en-US" dirty="0">
+                  <a:solidFill>
+                    <a:srgbClr val="0432FF"/>
+                  </a:solidFill>
+                </a:rPr>
+                <a:t>H</a:t>
+              </a:r>
+              <a:r>
+                <a:rPr lang="en-US" dirty="0"/>
+                <a:t>)</a:t>
               </a:r>
             </a:p>
             <a:p>
@@ -4205,7 +4273,31 @@
               <a:pPr algn="ctr"/>
               <a:r>
                 <a:rPr lang="en-US" dirty="0"/>
-                <a:t>P(T,T)</a:t>
+                <a:t>P(</a:t>
+              </a:r>
+              <a:r>
+                <a:rPr lang="en-US" dirty="0">
+                  <a:solidFill>
+                    <a:srgbClr val="FF0000"/>
+                  </a:solidFill>
+                </a:rPr>
+                <a:t>T</a:t>
+              </a:r>
+              <a:r>
+                <a:rPr lang="en-US" dirty="0"/>
+                <a:t>,</a:t>
+              </a:r>
+              <a:r>
+                <a:rPr lang="en-US" dirty="0">
+                  <a:solidFill>
+                    <a:srgbClr val="FF0000"/>
+                  </a:solidFill>
+                </a:rPr>
+                <a:t>T</a:t>
+              </a:r>
+              <a:r>
+                <a:rPr lang="en-US" dirty="0"/>
+                <a:t>)</a:t>
               </a:r>
             </a:p>
             <a:p>
@@ -4318,7 +4410,31 @@
               <a:pPr algn="ctr"/>
               <a:r>
                 <a:rPr lang="en-US" dirty="0"/>
-                <a:t>P(1H,1T)</a:t>
+                <a:t>P(</a:t>
+              </a:r>
+              <a:r>
+                <a:rPr lang="en-US" dirty="0">
+                  <a:solidFill>
+                    <a:srgbClr val="0432FF"/>
+                  </a:solidFill>
+                </a:rPr>
+                <a:t>1H</a:t>
+              </a:r>
+              <a:r>
+                <a:rPr lang="en-US" dirty="0"/>
+                <a:t>,</a:t>
+              </a:r>
+              <a:r>
+                <a:rPr lang="en-US" dirty="0">
+                  <a:solidFill>
+                    <a:srgbClr val="FF0000"/>
+                  </a:solidFill>
+                </a:rPr>
+                <a:t>1T</a:t>
+              </a:r>
+              <a:r>
+                <a:rPr lang="en-US" dirty="0"/>
+                <a:t>)</a:t>
               </a:r>
             </a:p>
             <a:p>
@@ -4361,7 +4477,19 @@
               <a:pPr algn="ctr"/>
               <a:r>
                 <a:rPr lang="en-US" dirty="0"/>
-                <a:t>P(2T)</a:t>
+                <a:t>P(</a:t>
+              </a:r>
+              <a:r>
+                <a:rPr lang="en-US" dirty="0">
+                  <a:solidFill>
+                    <a:srgbClr val="FF0000"/>
+                  </a:solidFill>
+                </a:rPr>
+                <a:t>2T</a:t>
+              </a:r>
+              <a:r>
+                <a:rPr lang="en-US" dirty="0"/>
+                <a:t>)</a:t>
               </a:r>
             </a:p>
             <a:p>
@@ -4404,7 +4532,19 @@
               <a:pPr algn="ctr"/>
               <a:r>
                 <a:rPr lang="en-US" dirty="0"/>
-                <a:t>P(2H)</a:t>
+                <a:t>P(</a:t>
+              </a:r>
+              <a:r>
+                <a:rPr lang="en-US" dirty="0">
+                  <a:solidFill>
+                    <a:srgbClr val="0432FF"/>
+                  </a:solidFill>
+                </a:rPr>
+                <a:t>2H</a:t>
+              </a:r>
+              <a:r>
+                <a:rPr lang="en-US" dirty="0"/>
+                <a:t>)</a:t>
               </a:r>
             </a:p>
             <a:p>
@@ -4607,7 +4747,11 @@
             <a:p>
               <a:pPr algn="ctr"/>
               <a:r>
-                <a:rPr lang="en-US" dirty="0"/>
+                <a:rPr lang="en-US" dirty="0">
+                  <a:solidFill>
+                    <a:srgbClr val="0432FF"/>
+                  </a:solidFill>
+                </a:rPr>
                 <a:t>(H=“success”)</a:t>
               </a:r>
             </a:p>
@@ -4868,12 +5012,48 @@
           <a:chExt cx="0" cy="0"/>
         </a:xfrm>
       </p:grpSpPr>
+      <p:sp>
+        <p:nvSpPr>
+          <p:cNvPr id="4" name="TextBox 3">
+            <a:extLst>
+              <a:ext uri="{FF2B5EF4-FFF2-40B4-BE49-F238E27FC236}">
+                <a16:creationId xmlns:a16="http://schemas.microsoft.com/office/drawing/2014/main" id="{57B25B73-7487-5C49-8C7B-9622EF5691EC}"/>
+              </a:ext>
+            </a:extLst>
+          </p:cNvPr>
+          <p:cNvSpPr txBox="1"/>
+          <p:nvPr/>
+        </p:nvSpPr>
+        <p:spPr>
+          <a:xfrm>
+            <a:off x="5191769" y="562708"/>
+            <a:ext cx="1814984" cy="400110"/>
+          </a:xfrm>
+          <a:prstGeom prst="rect">
+            <a:avLst/>
+          </a:prstGeom>
+          <a:noFill/>
+        </p:spPr>
+        <p:txBody>
+          <a:bodyPr wrap="none" rtlCol="0">
+            <a:spAutoFit/>
+          </a:bodyPr>
+          <a:lstStyle/>
+          <a:p>
+            <a:pPr algn="ctr"/>
+            <a:r>
+              <a:rPr lang="en-US" sz="2000" b="1" dirty="0"/>
+              <a:t>Transformation</a:t>
+            </a:r>
+          </a:p>
+        </p:txBody>
+      </p:sp>
       <p:grpSp>
         <p:nvGrpSpPr>
-          <p:cNvPr id="3" name="Group 2">
-            <a:extLst>
-              <a:ext uri="{FF2B5EF4-FFF2-40B4-BE49-F238E27FC236}">
-                <a16:creationId xmlns:a16="http://schemas.microsoft.com/office/drawing/2014/main" id="{3A7FED7B-4CC6-7346-B376-F8338FE75757}"/>
+          <p:cNvPr id="12" name="Group 11">
+            <a:extLst>
+              <a:ext uri="{FF2B5EF4-FFF2-40B4-BE49-F238E27FC236}">
+                <a16:creationId xmlns:a16="http://schemas.microsoft.com/office/drawing/2014/main" id="{B575C00E-D5DA-3E41-9E84-A94A5F97DEF8}"/>
               </a:ext>
             </a:extLst>
           </p:cNvPr>
@@ -4882,1705 +5062,1692 @@
         </p:nvGrpSpPr>
         <p:grpSpPr>
           <a:xfrm>
-            <a:off x="2516270" y="562708"/>
-            <a:ext cx="5515587" cy="4748492"/>
-            <a:chOff x="2516270" y="562708"/>
-            <a:chExt cx="5515587" cy="4748492"/>
+            <a:off x="6331025" y="1911155"/>
+            <a:ext cx="1190618" cy="595309"/>
+            <a:chOff x="5653091" y="1735792"/>
+            <a:chExt cx="1190618" cy="595309"/>
           </a:xfrm>
         </p:grpSpPr>
-        <p:sp>
-          <p:nvSpPr>
-            <p:cNvPr id="4" name="TextBox 3">
+        <p:cxnSp>
+          <p:nvCxnSpPr>
+            <p:cNvPr id="8" name="Straight Arrow Connector 7">
               <a:extLst>
                 <a:ext uri="{FF2B5EF4-FFF2-40B4-BE49-F238E27FC236}">
-                  <a16:creationId xmlns:a16="http://schemas.microsoft.com/office/drawing/2014/main" id="{57B25B73-7487-5C49-8C7B-9622EF5691EC}"/>
+                  <a16:creationId xmlns:a16="http://schemas.microsoft.com/office/drawing/2014/main" id="{60E3873D-E52C-3242-ADA4-EFC2F739C6C5}"/>
                 </a:ext>
               </a:extLst>
             </p:cNvPr>
-            <p:cNvSpPr txBox="1"/>
+            <p:cNvCxnSpPr/>
             <p:nvPr/>
-          </p:nvSpPr>
+          </p:nvCxnSpPr>
           <p:spPr>
-            <a:xfrm>
-              <a:off x="5191769" y="562708"/>
-              <a:ext cx="1814984" cy="400110"/>
+            <a:xfrm flipH="1">
+              <a:off x="5653091" y="1735792"/>
+              <a:ext cx="595309" cy="595309"/>
             </a:xfrm>
-            <a:prstGeom prst="rect">
+            <a:prstGeom prst="straightConnector1">
               <a:avLst/>
             </a:prstGeom>
-            <a:noFill/>
+            <a:ln w="19050">
+              <a:solidFill>
+                <a:schemeClr val="tx1"/>
+              </a:solidFill>
+              <a:tailEnd type="triangle" w="lg" len="lg"/>
+            </a:ln>
           </p:spPr>
-          <p:txBody>
-            <a:bodyPr wrap="none" rtlCol="0">
-              <a:spAutoFit/>
-            </a:bodyPr>
-            <a:lstStyle/>
-            <a:p>
-              <a:pPr algn="ctr"/>
-              <a:r>
-                <a:rPr lang="en-US" sz="2000" b="1" dirty="0"/>
-                <a:t>Transformation</a:t>
-              </a:r>
-            </a:p>
-          </p:txBody>
-        </p:sp>
-        <p:grpSp>
-          <p:nvGrpSpPr>
-            <p:cNvPr id="12" name="Group 11">
+          <p:style>
+            <a:lnRef idx="1">
+              <a:schemeClr val="accent1"/>
+            </a:lnRef>
+            <a:fillRef idx="0">
+              <a:schemeClr val="accent1"/>
+            </a:fillRef>
+            <a:effectRef idx="0">
+              <a:schemeClr val="accent1"/>
+            </a:effectRef>
+            <a:fontRef idx="minor">
+              <a:schemeClr val="tx1"/>
+            </a:fontRef>
+          </p:style>
+        </p:cxnSp>
+        <p:cxnSp>
+          <p:nvCxnSpPr>
+            <p:cNvPr id="9" name="Straight Arrow Connector 8">
               <a:extLst>
                 <a:ext uri="{FF2B5EF4-FFF2-40B4-BE49-F238E27FC236}">
-                  <a16:creationId xmlns:a16="http://schemas.microsoft.com/office/drawing/2014/main" id="{B575C00E-D5DA-3E41-9E84-A94A5F97DEF8}"/>
+                  <a16:creationId xmlns:a16="http://schemas.microsoft.com/office/drawing/2014/main" id="{95175B1A-8E50-5C4E-B50E-CAA36DB36960}"/>
                 </a:ext>
               </a:extLst>
             </p:cNvPr>
-            <p:cNvGrpSpPr/>
+            <p:cNvCxnSpPr>
+              <a:cxnSpLocks/>
+            </p:cNvCxnSpPr>
             <p:nvPr/>
-          </p:nvGrpSpPr>
-          <p:grpSpPr>
+          </p:nvCxnSpPr>
+          <p:spPr>
             <a:xfrm>
-              <a:off x="6331025" y="1911155"/>
-              <a:ext cx="1190618" cy="595309"/>
-              <a:chOff x="5653091" y="1735792"/>
-              <a:chExt cx="1190618" cy="595309"/>
+              <a:off x="6248400" y="1735792"/>
+              <a:ext cx="595309" cy="595309"/>
             </a:xfrm>
-          </p:grpSpPr>
-          <p:cxnSp>
-            <p:nvCxnSpPr>
-              <p:cNvPr id="8" name="Straight Arrow Connector 7">
-                <a:extLst>
-                  <a:ext uri="{FF2B5EF4-FFF2-40B4-BE49-F238E27FC236}">
-                    <a16:creationId xmlns:a16="http://schemas.microsoft.com/office/drawing/2014/main" id="{60E3873D-E52C-3242-ADA4-EFC2F739C6C5}"/>
-                  </a:ext>
-                </a:extLst>
-              </p:cNvPr>
-              <p:cNvCxnSpPr/>
-              <p:nvPr/>
-            </p:nvCxnSpPr>
-            <p:spPr>
-              <a:xfrm flipH="1">
-                <a:off x="5653091" y="1735792"/>
-                <a:ext cx="595309" cy="595309"/>
-              </a:xfrm>
-              <a:prstGeom prst="straightConnector1">
-                <a:avLst/>
-              </a:prstGeom>
-              <a:ln w="19050">
-                <a:solidFill>
-                  <a:schemeClr val="tx1"/>
-                </a:solidFill>
-                <a:tailEnd type="triangle" w="lg" len="lg"/>
-              </a:ln>
-            </p:spPr>
-            <p:style>
-              <a:lnRef idx="1">
-                <a:schemeClr val="accent1"/>
-              </a:lnRef>
-              <a:fillRef idx="0">
-                <a:schemeClr val="accent1"/>
-              </a:fillRef>
-              <a:effectRef idx="0">
-                <a:schemeClr val="accent1"/>
-              </a:effectRef>
-              <a:fontRef idx="minor">
+            <a:prstGeom prst="straightConnector1">
+              <a:avLst/>
+            </a:prstGeom>
+            <a:ln w="19050">
+              <a:solidFill>
                 <a:schemeClr val="tx1"/>
-              </a:fontRef>
-            </p:style>
-          </p:cxnSp>
-          <p:cxnSp>
-            <p:nvCxnSpPr>
-              <p:cNvPr id="9" name="Straight Arrow Connector 8">
-                <a:extLst>
-                  <a:ext uri="{FF2B5EF4-FFF2-40B4-BE49-F238E27FC236}">
-                    <a16:creationId xmlns:a16="http://schemas.microsoft.com/office/drawing/2014/main" id="{95175B1A-8E50-5C4E-B50E-CAA36DB36960}"/>
-                  </a:ext>
-                </a:extLst>
-              </p:cNvPr>
-              <p:cNvCxnSpPr>
-                <a:cxnSpLocks/>
-              </p:cNvCxnSpPr>
-              <p:nvPr/>
-            </p:nvCxnSpPr>
-            <p:spPr>
-              <a:xfrm>
-                <a:off x="6248400" y="1735792"/>
-                <a:ext cx="595309" cy="595309"/>
-              </a:xfrm>
-              <a:prstGeom prst="straightConnector1">
-                <a:avLst/>
-              </a:prstGeom>
-              <a:ln w="19050">
-                <a:solidFill>
-                  <a:schemeClr val="tx1"/>
-                </a:solidFill>
-                <a:tailEnd type="triangle" w="lg" len="lg"/>
-              </a:ln>
-            </p:spPr>
-            <p:style>
-              <a:lnRef idx="1">
-                <a:schemeClr val="accent1"/>
-              </a:lnRef>
-              <a:fillRef idx="0">
-                <a:schemeClr val="accent1"/>
-              </a:fillRef>
-              <a:effectRef idx="0">
-                <a:schemeClr val="accent1"/>
-              </a:effectRef>
-              <a:fontRef idx="minor">
-                <a:schemeClr val="tx1"/>
-              </a:fontRef>
-            </p:style>
-          </p:cxnSp>
-        </p:grpSp>
-        <p:grpSp>
-          <p:nvGrpSpPr>
-            <p:cNvPr id="14" name="Group 13">
+              </a:solidFill>
+              <a:tailEnd type="triangle" w="lg" len="lg"/>
+            </a:ln>
+          </p:spPr>
+          <p:style>
+            <a:lnRef idx="1">
+              <a:schemeClr val="accent1"/>
+            </a:lnRef>
+            <a:fillRef idx="0">
+              <a:schemeClr val="accent1"/>
+            </a:fillRef>
+            <a:effectRef idx="0">
+              <a:schemeClr val="accent1"/>
+            </a:effectRef>
+            <a:fontRef idx="minor">
+              <a:schemeClr val="tx1"/>
+            </a:fontRef>
+          </p:style>
+        </p:cxnSp>
+      </p:grpSp>
+      <p:grpSp>
+        <p:nvGrpSpPr>
+          <p:cNvPr id="14" name="Group 13">
+            <a:extLst>
+              <a:ext uri="{FF2B5EF4-FFF2-40B4-BE49-F238E27FC236}">
+                <a16:creationId xmlns:a16="http://schemas.microsoft.com/office/drawing/2014/main" id="{B60AB69C-B3CF-2A42-BA11-5196CBEA54BB}"/>
+              </a:ext>
+            </a:extLst>
+          </p:cNvPr>
+          <p:cNvGrpSpPr/>
+          <p:nvPr/>
+        </p:nvGrpSpPr>
+        <p:grpSpPr>
+          <a:xfrm>
+            <a:off x="4677827" y="1911156"/>
+            <a:ext cx="1190618" cy="595309"/>
+            <a:chOff x="5653091" y="1735792"/>
+            <a:chExt cx="1190618" cy="595309"/>
+          </a:xfrm>
+        </p:grpSpPr>
+        <p:cxnSp>
+          <p:nvCxnSpPr>
+            <p:cNvPr id="15" name="Straight Arrow Connector 14">
               <a:extLst>
                 <a:ext uri="{FF2B5EF4-FFF2-40B4-BE49-F238E27FC236}">
-                  <a16:creationId xmlns:a16="http://schemas.microsoft.com/office/drawing/2014/main" id="{B60AB69C-B3CF-2A42-BA11-5196CBEA54BB}"/>
+                  <a16:creationId xmlns:a16="http://schemas.microsoft.com/office/drawing/2014/main" id="{B2A1E07E-4E70-E24C-A8A3-5246BD4233C7}"/>
                 </a:ext>
               </a:extLst>
             </p:cNvPr>
-            <p:cNvGrpSpPr/>
+            <p:cNvCxnSpPr/>
             <p:nvPr/>
-          </p:nvGrpSpPr>
-          <p:grpSpPr>
-            <a:xfrm>
-              <a:off x="4677827" y="1911156"/>
-              <a:ext cx="1190618" cy="595309"/>
-              <a:chOff x="5653091" y="1735792"/>
-              <a:chExt cx="1190618" cy="595309"/>
+          </p:nvCxnSpPr>
+          <p:spPr>
+            <a:xfrm flipH="1">
+              <a:off x="5653091" y="1735792"/>
+              <a:ext cx="595309" cy="595309"/>
             </a:xfrm>
-          </p:grpSpPr>
-          <p:cxnSp>
-            <p:nvCxnSpPr>
-              <p:cNvPr id="15" name="Straight Arrow Connector 14">
-                <a:extLst>
-                  <a:ext uri="{FF2B5EF4-FFF2-40B4-BE49-F238E27FC236}">
-                    <a16:creationId xmlns:a16="http://schemas.microsoft.com/office/drawing/2014/main" id="{B2A1E07E-4E70-E24C-A8A3-5246BD4233C7}"/>
-                  </a:ext>
-                </a:extLst>
-              </p:cNvPr>
-              <p:cNvCxnSpPr/>
-              <p:nvPr/>
-            </p:nvCxnSpPr>
-            <p:spPr>
-              <a:xfrm flipH="1">
-                <a:off x="5653091" y="1735792"/>
-                <a:ext cx="595309" cy="595309"/>
-              </a:xfrm>
-              <a:prstGeom prst="straightConnector1">
-                <a:avLst/>
-              </a:prstGeom>
-              <a:ln w="19050">
-                <a:solidFill>
-                  <a:schemeClr val="tx1"/>
-                </a:solidFill>
-                <a:tailEnd type="triangle" w="lg" len="lg"/>
-              </a:ln>
-            </p:spPr>
-            <p:style>
-              <a:lnRef idx="1">
-                <a:schemeClr val="accent1"/>
-              </a:lnRef>
-              <a:fillRef idx="0">
-                <a:schemeClr val="accent1"/>
-              </a:fillRef>
-              <a:effectRef idx="0">
-                <a:schemeClr val="accent1"/>
-              </a:effectRef>
-              <a:fontRef idx="minor">
+            <a:prstGeom prst="straightConnector1">
+              <a:avLst/>
+            </a:prstGeom>
+            <a:ln w="19050">
+              <a:solidFill>
                 <a:schemeClr val="tx1"/>
-              </a:fontRef>
-            </p:style>
-          </p:cxnSp>
-          <p:cxnSp>
-            <p:nvCxnSpPr>
-              <p:cNvPr id="16" name="Straight Arrow Connector 15">
-                <a:extLst>
-                  <a:ext uri="{FF2B5EF4-FFF2-40B4-BE49-F238E27FC236}">
-                    <a16:creationId xmlns:a16="http://schemas.microsoft.com/office/drawing/2014/main" id="{6FEFE944-C4F9-4546-AA25-BD343E237B56}"/>
-                  </a:ext>
-                </a:extLst>
-              </p:cNvPr>
-              <p:cNvCxnSpPr>
-                <a:cxnSpLocks/>
-              </p:cNvCxnSpPr>
-              <p:nvPr/>
-            </p:nvCxnSpPr>
-            <p:spPr>
-              <a:xfrm>
-                <a:off x="6248400" y="1735792"/>
-                <a:ext cx="595309" cy="595309"/>
-              </a:xfrm>
-              <a:prstGeom prst="straightConnector1">
-                <a:avLst/>
-              </a:prstGeom>
-              <a:ln w="19050">
-                <a:solidFill>
-                  <a:schemeClr val="tx1"/>
-                </a:solidFill>
-                <a:tailEnd type="triangle" w="lg" len="lg"/>
-              </a:ln>
-            </p:spPr>
-            <p:style>
-              <a:lnRef idx="1">
-                <a:schemeClr val="accent1"/>
-              </a:lnRef>
-              <a:fillRef idx="0">
-                <a:schemeClr val="accent1"/>
-              </a:fillRef>
-              <a:effectRef idx="0">
-                <a:schemeClr val="accent1"/>
-              </a:effectRef>
-              <a:fontRef idx="minor">
-                <a:schemeClr val="tx1"/>
-              </a:fontRef>
-            </p:style>
-          </p:cxnSp>
-        </p:grpSp>
-        <p:sp>
-          <p:nvSpPr>
-            <p:cNvPr id="19" name="TextBox 18">
+              </a:solidFill>
+              <a:tailEnd type="triangle" w="lg" len="lg"/>
+            </a:ln>
+          </p:spPr>
+          <p:style>
+            <a:lnRef idx="1">
+              <a:schemeClr val="accent1"/>
+            </a:lnRef>
+            <a:fillRef idx="0">
+              <a:schemeClr val="accent1"/>
+            </a:fillRef>
+            <a:effectRef idx="0">
+              <a:schemeClr val="accent1"/>
+            </a:effectRef>
+            <a:fontRef idx="minor">
+              <a:schemeClr val="tx1"/>
+            </a:fontRef>
+          </p:style>
+        </p:cxnSp>
+        <p:cxnSp>
+          <p:nvCxnSpPr>
+            <p:cNvPr id="16" name="Straight Arrow Connector 15">
               <a:extLst>
                 <a:ext uri="{FF2B5EF4-FFF2-40B4-BE49-F238E27FC236}">
-                  <a16:creationId xmlns:a16="http://schemas.microsoft.com/office/drawing/2014/main" id="{D4588900-F18F-8E46-9DEE-CE04BCC3DE0B}"/>
+                  <a16:creationId xmlns:a16="http://schemas.microsoft.com/office/drawing/2014/main" id="{6FEFE944-C4F9-4546-AA25-BD343E237B56}"/>
                 </a:ext>
               </a:extLst>
             </p:cNvPr>
-            <p:cNvSpPr txBox="1"/>
+            <p:cNvCxnSpPr>
+              <a:cxnSpLocks/>
+            </p:cNvCxnSpPr>
             <p:nvPr/>
-          </p:nvSpPr>
+          </p:nvCxnSpPr>
           <p:spPr>
             <a:xfrm>
-              <a:off x="5723664" y="2503671"/>
-              <a:ext cx="394660" cy="400110"/>
+              <a:off x="6248400" y="1735792"/>
+              <a:ext cx="595309" cy="595309"/>
             </a:xfrm>
-            <a:prstGeom prst="rect">
+            <a:prstGeom prst="straightConnector1">
               <a:avLst/>
             </a:prstGeom>
-            <a:noFill/>
+            <a:ln w="19050">
+              <a:solidFill>
+                <a:schemeClr val="tx1"/>
+              </a:solidFill>
+              <a:tailEnd type="triangle" w="lg" len="lg"/>
+            </a:ln>
           </p:spPr>
-          <p:txBody>
-            <a:bodyPr wrap="none" rtlCol="0">
-              <a:spAutoFit/>
-            </a:bodyPr>
-            <a:lstStyle/>
-            <a:p>
-              <a:r>
-                <a:rPr lang="en-US" sz="2000" b="1" dirty="0">
-                  <a:solidFill>
-                    <a:srgbClr val="FF0000"/>
-                  </a:solidFill>
-                </a:rPr>
-                <a:t>!T</a:t>
-              </a:r>
-            </a:p>
-          </p:txBody>
-        </p:sp>
-        <p:sp>
-          <p:nvSpPr>
-            <p:cNvPr id="21" name="TextBox 20">
+          <p:style>
+            <a:lnRef idx="1">
+              <a:schemeClr val="accent1"/>
+            </a:lnRef>
+            <a:fillRef idx="0">
+              <a:schemeClr val="accent1"/>
+            </a:fillRef>
+            <a:effectRef idx="0">
+              <a:schemeClr val="accent1"/>
+            </a:effectRef>
+            <a:fontRef idx="minor">
+              <a:schemeClr val="tx1"/>
+            </a:fontRef>
+          </p:style>
+        </p:cxnSp>
+      </p:grpSp>
+      <p:sp>
+        <p:nvSpPr>
+          <p:cNvPr id="19" name="TextBox 18">
+            <a:extLst>
+              <a:ext uri="{FF2B5EF4-FFF2-40B4-BE49-F238E27FC236}">
+                <a16:creationId xmlns:a16="http://schemas.microsoft.com/office/drawing/2014/main" id="{D4588900-F18F-8E46-9DEE-CE04BCC3DE0B}"/>
+              </a:ext>
+            </a:extLst>
+          </p:cNvPr>
+          <p:cNvSpPr txBox="1"/>
+          <p:nvPr/>
+        </p:nvSpPr>
+        <p:spPr>
+          <a:xfrm>
+            <a:off x="5723664" y="2503671"/>
+            <a:ext cx="352982" cy="400110"/>
+          </a:xfrm>
+          <a:prstGeom prst="rect">
+            <a:avLst/>
+          </a:prstGeom>
+          <a:noFill/>
+        </p:spPr>
+        <p:txBody>
+          <a:bodyPr wrap="none" rtlCol="0">
+            <a:spAutoFit/>
+          </a:bodyPr>
+          <a:lstStyle/>
+          <a:p>
+            <a:r>
+              <a:rPr lang="en-US" sz="2000" b="1" dirty="0">
+                <a:solidFill>
+                  <a:srgbClr val="FF0000"/>
+                </a:solidFill>
+              </a:rPr>
+              <a:t>N</a:t>
+            </a:r>
+          </a:p>
+        </p:txBody>
+      </p:sp>
+      <p:sp>
+        <p:nvSpPr>
+          <p:cNvPr id="21" name="TextBox 20">
+            <a:extLst>
+              <a:ext uri="{FF2B5EF4-FFF2-40B4-BE49-F238E27FC236}">
+                <a16:creationId xmlns:a16="http://schemas.microsoft.com/office/drawing/2014/main" id="{C57E7B25-899D-CE49-9BDC-DBD2A12D564B}"/>
+              </a:ext>
+            </a:extLst>
+          </p:cNvPr>
+          <p:cNvSpPr txBox="1"/>
+          <p:nvPr/>
+        </p:nvSpPr>
+        <p:spPr>
+          <a:xfrm>
+            <a:off x="5152763" y="1532090"/>
+            <a:ext cx="317716" cy="400110"/>
+          </a:xfrm>
+          <a:prstGeom prst="rect">
+            <a:avLst/>
+          </a:prstGeom>
+          <a:noFill/>
+        </p:spPr>
+        <p:txBody>
+          <a:bodyPr wrap="none" rtlCol="0">
+            <a:spAutoFit/>
+          </a:bodyPr>
+          <a:lstStyle/>
+          <a:p>
+            <a:r>
+              <a:rPr lang="en-US" sz="2000" b="1" dirty="0">
+                <a:solidFill>
+                  <a:srgbClr val="0432FF"/>
+                </a:solidFill>
+              </a:rPr>
+              <a:t>Y</a:t>
+            </a:r>
+          </a:p>
+        </p:txBody>
+      </p:sp>
+      <p:sp>
+        <p:nvSpPr>
+          <p:cNvPr id="22" name="TextBox 21">
+            <a:extLst>
+              <a:ext uri="{FF2B5EF4-FFF2-40B4-BE49-F238E27FC236}">
+                <a16:creationId xmlns:a16="http://schemas.microsoft.com/office/drawing/2014/main" id="{9E36BC18-E972-9540-8D82-0245DE75CFD5}"/>
+              </a:ext>
+            </a:extLst>
+          </p:cNvPr>
+          <p:cNvSpPr txBox="1"/>
+          <p:nvPr/>
+        </p:nvSpPr>
+        <p:spPr>
+          <a:xfrm>
+            <a:off x="6735388" y="1532090"/>
+            <a:ext cx="352982" cy="400110"/>
+          </a:xfrm>
+          <a:prstGeom prst="rect">
+            <a:avLst/>
+          </a:prstGeom>
+          <a:noFill/>
+        </p:spPr>
+        <p:txBody>
+          <a:bodyPr wrap="none" rtlCol="0">
+            <a:spAutoFit/>
+          </a:bodyPr>
+          <a:lstStyle/>
+          <a:p>
+            <a:r>
+              <a:rPr lang="en-US" sz="2000" b="1" dirty="0">
+                <a:solidFill>
+                  <a:srgbClr val="FF0000"/>
+                </a:solidFill>
+              </a:rPr>
+              <a:t>N</a:t>
+            </a:r>
+          </a:p>
+        </p:txBody>
+      </p:sp>
+      <p:sp>
+        <p:nvSpPr>
+          <p:cNvPr id="23" name="TextBox 22">
+            <a:extLst>
+              <a:ext uri="{FF2B5EF4-FFF2-40B4-BE49-F238E27FC236}">
+                <a16:creationId xmlns:a16="http://schemas.microsoft.com/office/drawing/2014/main" id="{38C0B6CC-66B4-AB4F-B4F2-7D3A890FBCBA}"/>
+              </a:ext>
+            </a:extLst>
+          </p:cNvPr>
+          <p:cNvSpPr txBox="1"/>
+          <p:nvPr/>
+        </p:nvSpPr>
+        <p:spPr>
+          <a:xfrm>
+            <a:off x="4500849" y="2503671"/>
+            <a:ext cx="317716" cy="400110"/>
+          </a:xfrm>
+          <a:prstGeom prst="rect">
+            <a:avLst/>
+          </a:prstGeom>
+          <a:noFill/>
+        </p:spPr>
+        <p:txBody>
+          <a:bodyPr wrap="none" rtlCol="0">
+            <a:spAutoFit/>
+          </a:bodyPr>
+          <a:lstStyle/>
+          <a:p>
+            <a:r>
+              <a:rPr lang="en-US" sz="2000" b="1" dirty="0">
+                <a:solidFill>
+                  <a:srgbClr val="0432FF"/>
+                </a:solidFill>
+              </a:rPr>
+              <a:t>Y</a:t>
+            </a:r>
+          </a:p>
+        </p:txBody>
+      </p:sp>
+      <p:sp>
+        <p:nvSpPr>
+          <p:cNvPr id="25" name="TextBox 24">
+            <a:extLst>
+              <a:ext uri="{FF2B5EF4-FFF2-40B4-BE49-F238E27FC236}">
+                <a16:creationId xmlns:a16="http://schemas.microsoft.com/office/drawing/2014/main" id="{99FF3418-DDBF-1946-B4CE-63381FDBC241}"/>
+              </a:ext>
+            </a:extLst>
+          </p:cNvPr>
+          <p:cNvSpPr txBox="1"/>
+          <p:nvPr/>
+        </p:nvSpPr>
+        <p:spPr>
+          <a:xfrm>
+            <a:off x="5378604" y="966166"/>
+            <a:ext cx="476412" cy="369332"/>
+          </a:xfrm>
+          <a:prstGeom prst="rect">
+            <a:avLst/>
+          </a:prstGeom>
+          <a:noFill/>
+        </p:spPr>
+        <p:txBody>
+          <a:bodyPr wrap="none" rtlCol="0">
+            <a:spAutoFit/>
+          </a:bodyPr>
+          <a:lstStyle/>
+          <a:p>
+            <a:r>
+              <a:rPr lang="en-US" dirty="0"/>
+              <a:t>0.2</a:t>
+            </a:r>
+          </a:p>
+        </p:txBody>
+      </p:sp>
+      <p:sp>
+        <p:nvSpPr>
+          <p:cNvPr id="26" name="TextBox 25">
+            <a:extLst>
+              <a:ext uri="{FF2B5EF4-FFF2-40B4-BE49-F238E27FC236}">
+                <a16:creationId xmlns:a16="http://schemas.microsoft.com/office/drawing/2014/main" id="{505B9B09-0D17-5C49-90CB-FE7AAE7B5005}"/>
+              </a:ext>
+            </a:extLst>
+          </p:cNvPr>
+          <p:cNvSpPr txBox="1"/>
+          <p:nvPr/>
+        </p:nvSpPr>
+        <p:spPr>
+          <a:xfrm>
+            <a:off x="6395779" y="966166"/>
+            <a:ext cx="476412" cy="369332"/>
+          </a:xfrm>
+          <a:prstGeom prst="rect">
+            <a:avLst/>
+          </a:prstGeom>
+          <a:noFill/>
+        </p:spPr>
+        <p:txBody>
+          <a:bodyPr wrap="none" rtlCol="0">
+            <a:spAutoFit/>
+          </a:bodyPr>
+          <a:lstStyle/>
+          <a:p>
+            <a:r>
+              <a:rPr lang="en-US" dirty="0"/>
+              <a:t>0.8</a:t>
+            </a:r>
+          </a:p>
+        </p:txBody>
+      </p:sp>
+      <p:sp>
+        <p:nvSpPr>
+          <p:cNvPr id="27" name="TextBox 26">
+            <a:extLst>
+              <a:ext uri="{FF2B5EF4-FFF2-40B4-BE49-F238E27FC236}">
+                <a16:creationId xmlns:a16="http://schemas.microsoft.com/office/drawing/2014/main" id="{E67C5767-97EE-504E-B324-1BD9F4CC06D7}"/>
+              </a:ext>
+            </a:extLst>
+          </p:cNvPr>
+          <p:cNvSpPr txBox="1"/>
+          <p:nvPr/>
+        </p:nvSpPr>
+        <p:spPr>
+          <a:xfrm>
+            <a:off x="6187351" y="1927764"/>
+            <a:ext cx="476412" cy="369332"/>
+          </a:xfrm>
+          <a:prstGeom prst="rect">
+            <a:avLst/>
+          </a:prstGeom>
+          <a:noFill/>
+        </p:spPr>
+        <p:txBody>
+          <a:bodyPr wrap="none" rtlCol="0">
+            <a:spAutoFit/>
+          </a:bodyPr>
+          <a:lstStyle/>
+          <a:p>
+            <a:r>
+              <a:rPr lang="en-US" dirty="0"/>
+              <a:t>0.2</a:t>
+            </a:r>
+          </a:p>
+        </p:txBody>
+      </p:sp>
+      <p:sp>
+        <p:nvSpPr>
+          <p:cNvPr id="28" name="TextBox 27">
+            <a:extLst>
+              <a:ext uri="{FF2B5EF4-FFF2-40B4-BE49-F238E27FC236}">
+                <a16:creationId xmlns:a16="http://schemas.microsoft.com/office/drawing/2014/main" id="{C6E34178-6445-3247-984B-7D116D227EDF}"/>
+              </a:ext>
+            </a:extLst>
+          </p:cNvPr>
+          <p:cNvSpPr txBox="1"/>
+          <p:nvPr/>
+        </p:nvSpPr>
+        <p:spPr>
+          <a:xfrm>
+            <a:off x="7204526" y="1927764"/>
+            <a:ext cx="476412" cy="369332"/>
+          </a:xfrm>
+          <a:prstGeom prst="rect">
+            <a:avLst/>
+          </a:prstGeom>
+          <a:noFill/>
+        </p:spPr>
+        <p:txBody>
+          <a:bodyPr wrap="none" rtlCol="0">
+            <a:spAutoFit/>
+          </a:bodyPr>
+          <a:lstStyle/>
+          <a:p>
+            <a:r>
+              <a:rPr lang="en-US" dirty="0"/>
+              <a:t>0.8</a:t>
+            </a:r>
+          </a:p>
+        </p:txBody>
+      </p:sp>
+      <p:sp>
+        <p:nvSpPr>
+          <p:cNvPr id="29" name="TextBox 28">
+            <a:extLst>
+              <a:ext uri="{FF2B5EF4-FFF2-40B4-BE49-F238E27FC236}">
+                <a16:creationId xmlns:a16="http://schemas.microsoft.com/office/drawing/2014/main" id="{7849EEFB-9C2D-F946-BBAD-95E0103ECB6F}"/>
+              </a:ext>
+            </a:extLst>
+          </p:cNvPr>
+          <p:cNvSpPr txBox="1"/>
+          <p:nvPr/>
+        </p:nvSpPr>
+        <p:spPr>
+          <a:xfrm>
+            <a:off x="4568504" y="1935837"/>
+            <a:ext cx="476412" cy="369332"/>
+          </a:xfrm>
+          <a:prstGeom prst="rect">
+            <a:avLst/>
+          </a:prstGeom>
+          <a:noFill/>
+        </p:spPr>
+        <p:txBody>
+          <a:bodyPr wrap="none" rtlCol="0">
+            <a:spAutoFit/>
+          </a:bodyPr>
+          <a:lstStyle/>
+          <a:p>
+            <a:r>
+              <a:rPr lang="en-US" dirty="0"/>
+              <a:t>0.2</a:t>
+            </a:r>
+          </a:p>
+        </p:txBody>
+      </p:sp>
+      <p:sp>
+        <p:nvSpPr>
+          <p:cNvPr id="30" name="TextBox 29">
+            <a:extLst>
+              <a:ext uri="{FF2B5EF4-FFF2-40B4-BE49-F238E27FC236}">
+                <a16:creationId xmlns:a16="http://schemas.microsoft.com/office/drawing/2014/main" id="{F5827BEA-8B8E-9443-8F85-F8D26457FDC9}"/>
+              </a:ext>
+            </a:extLst>
+          </p:cNvPr>
+          <p:cNvSpPr txBox="1"/>
+          <p:nvPr/>
+        </p:nvSpPr>
+        <p:spPr>
+          <a:xfrm>
+            <a:off x="5585679" y="1935837"/>
+            <a:ext cx="476412" cy="369332"/>
+          </a:xfrm>
+          <a:prstGeom prst="rect">
+            <a:avLst/>
+          </a:prstGeom>
+          <a:noFill/>
+        </p:spPr>
+        <p:txBody>
+          <a:bodyPr wrap="none" rtlCol="0">
+            <a:spAutoFit/>
+          </a:bodyPr>
+          <a:lstStyle/>
+          <a:p>
+            <a:r>
+              <a:rPr lang="en-US" dirty="0"/>
+              <a:t>0.8</a:t>
+            </a:r>
+          </a:p>
+        </p:txBody>
+      </p:sp>
+      <p:sp>
+        <p:nvSpPr>
+          <p:cNvPr id="31" name="TextBox 30">
+            <a:extLst>
+              <a:ext uri="{FF2B5EF4-FFF2-40B4-BE49-F238E27FC236}">
+                <a16:creationId xmlns:a16="http://schemas.microsoft.com/office/drawing/2014/main" id="{156B73A5-729D-8546-AB74-344F97E2D7DD}"/>
+              </a:ext>
+            </a:extLst>
+          </p:cNvPr>
+          <p:cNvSpPr txBox="1"/>
+          <p:nvPr/>
+        </p:nvSpPr>
+        <p:spPr>
+          <a:xfrm>
+            <a:off x="7434451" y="2500319"/>
+            <a:ext cx="352982" cy="400110"/>
+          </a:xfrm>
+          <a:prstGeom prst="rect">
+            <a:avLst/>
+          </a:prstGeom>
+          <a:noFill/>
+        </p:spPr>
+        <p:txBody>
+          <a:bodyPr wrap="none" rtlCol="0">
+            <a:spAutoFit/>
+          </a:bodyPr>
+          <a:lstStyle/>
+          <a:p>
+            <a:r>
+              <a:rPr lang="en-US" sz="2000" b="1" dirty="0">
+                <a:solidFill>
+                  <a:srgbClr val="FF0000"/>
+                </a:solidFill>
+              </a:rPr>
+              <a:t>N</a:t>
+            </a:r>
+          </a:p>
+        </p:txBody>
+      </p:sp>
+      <p:sp>
+        <p:nvSpPr>
+          <p:cNvPr id="32" name="TextBox 31">
+            <a:extLst>
+              <a:ext uri="{FF2B5EF4-FFF2-40B4-BE49-F238E27FC236}">
+                <a16:creationId xmlns:a16="http://schemas.microsoft.com/office/drawing/2014/main" id="{443634A9-ACE3-9947-BAB7-07DEB50E16E9}"/>
+              </a:ext>
+            </a:extLst>
+          </p:cNvPr>
+          <p:cNvSpPr txBox="1"/>
+          <p:nvPr/>
+        </p:nvSpPr>
+        <p:spPr>
+          <a:xfrm>
+            <a:off x="6211636" y="2500319"/>
+            <a:ext cx="317716" cy="400110"/>
+          </a:xfrm>
+          <a:prstGeom prst="rect">
+            <a:avLst/>
+          </a:prstGeom>
+          <a:noFill/>
+        </p:spPr>
+        <p:txBody>
+          <a:bodyPr wrap="none" rtlCol="0">
+            <a:spAutoFit/>
+          </a:bodyPr>
+          <a:lstStyle/>
+          <a:p>
+            <a:r>
+              <a:rPr lang="en-US" sz="2000" b="1" dirty="0">
+                <a:solidFill>
+                  <a:srgbClr val="0432FF"/>
+                </a:solidFill>
+              </a:rPr>
+              <a:t>Y</a:t>
+            </a:r>
+          </a:p>
+        </p:txBody>
+      </p:sp>
+      <p:sp>
+        <p:nvSpPr>
+          <p:cNvPr id="33" name="TextBox 32">
+            <a:extLst>
+              <a:ext uri="{FF2B5EF4-FFF2-40B4-BE49-F238E27FC236}">
+                <a16:creationId xmlns:a16="http://schemas.microsoft.com/office/drawing/2014/main" id="{B1731E81-4129-3448-B3BB-687EE7CD1AD4}"/>
+              </a:ext>
+            </a:extLst>
+          </p:cNvPr>
+          <p:cNvSpPr txBox="1"/>
+          <p:nvPr/>
+        </p:nvSpPr>
+        <p:spPr>
+          <a:xfrm>
+            <a:off x="4324550" y="2922414"/>
+            <a:ext cx="681533" cy="646331"/>
+          </a:xfrm>
+          <a:prstGeom prst="rect">
+            <a:avLst/>
+          </a:prstGeom>
+          <a:noFill/>
+        </p:spPr>
+        <p:txBody>
+          <a:bodyPr wrap="none" rtlCol="0">
+            <a:spAutoFit/>
+          </a:bodyPr>
+          <a:lstStyle/>
+          <a:p>
+            <a:pPr algn="ctr"/>
+            <a:r>
+              <a:rPr lang="en-US" dirty="0"/>
+              <a:t>P(</a:t>
+            </a:r>
+            <a:r>
+              <a:rPr lang="en-US" dirty="0">
+                <a:solidFill>
+                  <a:srgbClr val="0432FF"/>
+                </a:solidFill>
+              </a:rPr>
+              <a:t>Y</a:t>
+            </a:r>
+            <a:r>
+              <a:rPr lang="en-US" dirty="0"/>
+              <a:t>,</a:t>
+            </a:r>
+            <a:r>
+              <a:rPr lang="en-US" dirty="0">
+                <a:solidFill>
+                  <a:srgbClr val="0432FF"/>
+                </a:solidFill>
+              </a:rPr>
+              <a:t>Y</a:t>
+            </a:r>
+            <a:r>
+              <a:rPr lang="en-US" dirty="0"/>
+              <a:t>)</a:t>
+            </a:r>
+          </a:p>
+          <a:p>
+            <a:pPr algn="ctr"/>
+            <a:r>
+              <a:rPr lang="en-US" dirty="0"/>
+              <a:t>0.04</a:t>
+            </a:r>
+          </a:p>
+        </p:txBody>
+      </p:sp>
+      <p:sp>
+        <p:nvSpPr>
+          <p:cNvPr id="34" name="TextBox 33">
+            <a:extLst>
+              <a:ext uri="{FF2B5EF4-FFF2-40B4-BE49-F238E27FC236}">
+                <a16:creationId xmlns:a16="http://schemas.microsoft.com/office/drawing/2014/main" id="{9247905E-7AD5-2943-95D1-574AFB49BDB9}"/>
+              </a:ext>
+            </a:extLst>
+          </p:cNvPr>
+          <p:cNvSpPr txBox="1"/>
+          <p:nvPr/>
+        </p:nvSpPr>
+        <p:spPr>
+          <a:xfrm>
+            <a:off x="5412387" y="2922414"/>
+            <a:ext cx="734945" cy="646331"/>
+          </a:xfrm>
+          <a:prstGeom prst="rect">
+            <a:avLst/>
+          </a:prstGeom>
+          <a:noFill/>
+        </p:spPr>
+        <p:txBody>
+          <a:bodyPr wrap="none" rtlCol="0">
+            <a:spAutoFit/>
+          </a:bodyPr>
+          <a:lstStyle/>
+          <a:p>
+            <a:pPr algn="ctr"/>
+            <a:r>
+              <a:rPr lang="en-US" dirty="0"/>
+              <a:t>P(</a:t>
+            </a:r>
+            <a:r>
+              <a:rPr lang="en-US" dirty="0">
+                <a:solidFill>
+                  <a:srgbClr val="0432FF"/>
+                </a:solidFill>
+              </a:rPr>
+              <a:t>Y</a:t>
+            </a:r>
+            <a:r>
+              <a:rPr lang="en-US" dirty="0"/>
+              <a:t>,</a:t>
+            </a:r>
+            <a:r>
+              <a:rPr lang="en-US" dirty="0">
+                <a:solidFill>
+                  <a:srgbClr val="FF0000"/>
+                </a:solidFill>
+              </a:rPr>
+              <a:t>N</a:t>
+            </a:r>
+            <a:r>
+              <a:rPr lang="en-US" dirty="0"/>
+              <a:t>)</a:t>
+            </a:r>
+          </a:p>
+          <a:p>
+            <a:pPr algn="ctr"/>
+            <a:r>
+              <a:rPr lang="en-US" dirty="0"/>
+              <a:t>0.16</a:t>
+            </a:r>
+          </a:p>
+        </p:txBody>
+      </p:sp>
+      <p:sp>
+        <p:nvSpPr>
+          <p:cNvPr id="35" name="TextBox 34">
+            <a:extLst>
+              <a:ext uri="{FF2B5EF4-FFF2-40B4-BE49-F238E27FC236}">
+                <a16:creationId xmlns:a16="http://schemas.microsoft.com/office/drawing/2014/main" id="{36667F89-6AEC-D144-972E-68166BBA8F0D}"/>
+              </a:ext>
+            </a:extLst>
+          </p:cNvPr>
+          <p:cNvSpPr txBox="1"/>
+          <p:nvPr/>
+        </p:nvSpPr>
+        <p:spPr>
+          <a:xfrm>
+            <a:off x="6163044" y="2922414"/>
+            <a:ext cx="746807" cy="646331"/>
+          </a:xfrm>
+          <a:prstGeom prst="rect">
+            <a:avLst/>
+          </a:prstGeom>
+          <a:noFill/>
+        </p:spPr>
+        <p:txBody>
+          <a:bodyPr wrap="none" rtlCol="0">
+            <a:spAutoFit/>
+          </a:bodyPr>
+          <a:lstStyle/>
+          <a:p>
+            <a:pPr algn="ctr"/>
+            <a:r>
+              <a:rPr lang="en-US" dirty="0"/>
+              <a:t>P(</a:t>
+            </a:r>
+            <a:r>
+              <a:rPr lang="en-US" dirty="0">
+                <a:solidFill>
+                  <a:srgbClr val="FF0000"/>
+                </a:solidFill>
+              </a:rPr>
+              <a:t>N</a:t>
+            </a:r>
+            <a:r>
+              <a:rPr lang="en-US" dirty="0"/>
+              <a:t>,</a:t>
+            </a:r>
+            <a:r>
+              <a:rPr lang="en-US" dirty="0">
+                <a:solidFill>
+                  <a:srgbClr val="0432FF"/>
+                </a:solidFill>
+              </a:rPr>
+              <a:t>Y</a:t>
+            </a:r>
+            <a:r>
+              <a:rPr lang="en-US" dirty="0"/>
+              <a:t>)</a:t>
+            </a:r>
+          </a:p>
+          <a:p>
+            <a:pPr algn="ctr"/>
+            <a:r>
+              <a:rPr lang="en-US" dirty="0"/>
+              <a:t>0.16</a:t>
+            </a:r>
+          </a:p>
+        </p:txBody>
+      </p:sp>
+      <p:sp>
+        <p:nvSpPr>
+          <p:cNvPr id="36" name="TextBox 35">
+            <a:extLst>
+              <a:ext uri="{FF2B5EF4-FFF2-40B4-BE49-F238E27FC236}">
+                <a16:creationId xmlns:a16="http://schemas.microsoft.com/office/drawing/2014/main" id="{417AACA4-CF67-DB4F-84E9-3EDA8332D2C5}"/>
+              </a:ext>
+            </a:extLst>
+          </p:cNvPr>
+          <p:cNvSpPr txBox="1"/>
+          <p:nvPr/>
+        </p:nvSpPr>
+        <p:spPr>
+          <a:xfrm>
+            <a:off x="7204752" y="2922414"/>
+            <a:ext cx="800220" cy="646331"/>
+          </a:xfrm>
+          <a:prstGeom prst="rect">
+            <a:avLst/>
+          </a:prstGeom>
+          <a:noFill/>
+        </p:spPr>
+        <p:txBody>
+          <a:bodyPr wrap="none" rtlCol="0">
+            <a:spAutoFit/>
+          </a:bodyPr>
+          <a:lstStyle/>
+          <a:p>
+            <a:pPr algn="ctr"/>
+            <a:r>
+              <a:rPr lang="en-US" dirty="0"/>
+              <a:t>P(</a:t>
+            </a:r>
+            <a:r>
+              <a:rPr lang="en-US" dirty="0">
+                <a:solidFill>
+                  <a:srgbClr val="FF0000"/>
+                </a:solidFill>
+              </a:rPr>
+              <a:t>N</a:t>
+            </a:r>
+            <a:r>
+              <a:rPr lang="en-US" dirty="0"/>
+              <a:t>,</a:t>
+            </a:r>
+            <a:r>
+              <a:rPr lang="en-US" dirty="0">
+                <a:solidFill>
+                  <a:srgbClr val="FF0000"/>
+                </a:solidFill>
+              </a:rPr>
+              <a:t>N</a:t>
+            </a:r>
+            <a:r>
+              <a:rPr lang="en-US" dirty="0"/>
+              <a:t>)</a:t>
+            </a:r>
+          </a:p>
+          <a:p>
+            <a:pPr algn="ctr"/>
+            <a:r>
+              <a:rPr lang="en-US" dirty="0"/>
+              <a:t>0.64</a:t>
+            </a:r>
+          </a:p>
+        </p:txBody>
+      </p:sp>
+      <p:sp>
+        <p:nvSpPr>
+          <p:cNvPr id="37" name="TextBox 36">
+            <a:extLst>
+              <a:ext uri="{FF2B5EF4-FFF2-40B4-BE49-F238E27FC236}">
+                <a16:creationId xmlns:a16="http://schemas.microsoft.com/office/drawing/2014/main" id="{F2806EB7-EB39-1745-911C-0FA7B7C3F1EF}"/>
+              </a:ext>
+            </a:extLst>
+          </p:cNvPr>
+          <p:cNvSpPr txBox="1"/>
+          <p:nvPr/>
+        </p:nvSpPr>
+        <p:spPr>
+          <a:xfrm>
+            <a:off x="2531274" y="3083306"/>
+            <a:ext cx="1476623" cy="369332"/>
+          </a:xfrm>
+          <a:prstGeom prst="rect">
+            <a:avLst/>
+          </a:prstGeom>
+          <a:noFill/>
+        </p:spPr>
+        <p:txBody>
+          <a:bodyPr wrap="none" rtlCol="0">
+            <a:spAutoFit/>
+          </a:bodyPr>
+          <a:lstStyle/>
+          <a:p>
+            <a:r>
+              <a:rPr lang="en-US" b="1" i="1" dirty="0"/>
+              <a:t>Permutations</a:t>
+            </a:r>
+          </a:p>
+        </p:txBody>
+      </p:sp>
+      <p:sp>
+        <p:nvSpPr>
+          <p:cNvPr id="38" name="TextBox 37">
+            <a:extLst>
+              <a:ext uri="{FF2B5EF4-FFF2-40B4-BE49-F238E27FC236}">
+                <a16:creationId xmlns:a16="http://schemas.microsoft.com/office/drawing/2014/main" id="{D7EF6506-9923-6F4D-94F6-2FCBB0225AA3}"/>
+              </a:ext>
+            </a:extLst>
+          </p:cNvPr>
+          <p:cNvSpPr txBox="1"/>
+          <p:nvPr/>
+        </p:nvSpPr>
+        <p:spPr>
+          <a:xfrm>
+            <a:off x="2516270" y="3811903"/>
+            <a:ext cx="1506631" cy="369332"/>
+          </a:xfrm>
+          <a:prstGeom prst="rect">
+            <a:avLst/>
+          </a:prstGeom>
+          <a:noFill/>
+        </p:spPr>
+        <p:txBody>
+          <a:bodyPr wrap="none" rtlCol="0">
+            <a:spAutoFit/>
+          </a:bodyPr>
+          <a:lstStyle/>
+          <a:p>
+            <a:r>
+              <a:rPr lang="en-US" b="1" i="1" dirty="0"/>
+              <a:t>Combinations</a:t>
+            </a:r>
+          </a:p>
+        </p:txBody>
+      </p:sp>
+      <p:sp>
+        <p:nvSpPr>
+          <p:cNvPr id="39" name="TextBox 38">
+            <a:extLst>
+              <a:ext uri="{FF2B5EF4-FFF2-40B4-BE49-F238E27FC236}">
+                <a16:creationId xmlns:a16="http://schemas.microsoft.com/office/drawing/2014/main" id="{7B2BBB82-2507-6343-BC28-4773C14FC908}"/>
+              </a:ext>
+            </a:extLst>
+          </p:cNvPr>
+          <p:cNvSpPr txBox="1"/>
+          <p:nvPr/>
+        </p:nvSpPr>
+        <p:spPr>
+          <a:xfrm>
+            <a:off x="5662291" y="3675812"/>
+            <a:ext cx="968984" cy="646331"/>
+          </a:xfrm>
+          <a:prstGeom prst="rect">
+            <a:avLst/>
+          </a:prstGeom>
+          <a:noFill/>
+        </p:spPr>
+        <p:txBody>
+          <a:bodyPr wrap="none" rtlCol="0">
+            <a:spAutoFit/>
+          </a:bodyPr>
+          <a:lstStyle/>
+          <a:p>
+            <a:pPr algn="ctr"/>
+            <a:r>
+              <a:rPr lang="en-US" dirty="0"/>
+              <a:t>P(</a:t>
+            </a:r>
+            <a:r>
+              <a:rPr lang="en-US" dirty="0">
+                <a:solidFill>
+                  <a:srgbClr val="0432FF"/>
+                </a:solidFill>
+              </a:rPr>
+              <a:t>1Y</a:t>
+            </a:r>
+            <a:r>
+              <a:rPr lang="en-US" dirty="0"/>
+              <a:t>,</a:t>
+            </a:r>
+            <a:r>
+              <a:rPr lang="en-US" dirty="0">
+                <a:solidFill>
+                  <a:srgbClr val="FF0000"/>
+                </a:solidFill>
+              </a:rPr>
+              <a:t>1N</a:t>
+            </a:r>
+            <a:r>
+              <a:rPr lang="en-US" dirty="0"/>
+              <a:t>)</a:t>
+            </a:r>
+          </a:p>
+          <a:p>
+            <a:pPr algn="ctr"/>
+            <a:r>
+              <a:rPr lang="en-US" dirty="0"/>
+              <a:t>0.32</a:t>
+            </a:r>
+          </a:p>
+        </p:txBody>
+      </p:sp>
+      <p:sp>
+        <p:nvSpPr>
+          <p:cNvPr id="40" name="TextBox 39">
+            <a:extLst>
+              <a:ext uri="{FF2B5EF4-FFF2-40B4-BE49-F238E27FC236}">
+                <a16:creationId xmlns:a16="http://schemas.microsoft.com/office/drawing/2014/main" id="{D3511E37-2CCB-DA4A-A577-EFA55B4775F7}"/>
+              </a:ext>
+            </a:extLst>
+          </p:cNvPr>
+          <p:cNvSpPr txBox="1"/>
+          <p:nvPr/>
+        </p:nvSpPr>
+        <p:spPr>
+          <a:xfrm>
+            <a:off x="7266909" y="3675812"/>
+            <a:ext cx="710452" cy="646331"/>
+          </a:xfrm>
+          <a:prstGeom prst="rect">
+            <a:avLst/>
+          </a:prstGeom>
+          <a:noFill/>
+        </p:spPr>
+        <p:txBody>
+          <a:bodyPr wrap="none" rtlCol="0">
+            <a:spAutoFit/>
+          </a:bodyPr>
+          <a:lstStyle/>
+          <a:p>
+            <a:pPr algn="ctr"/>
+            <a:r>
+              <a:rPr lang="en-US" dirty="0"/>
+              <a:t>P(</a:t>
+            </a:r>
+            <a:r>
+              <a:rPr lang="en-US" dirty="0">
+                <a:solidFill>
+                  <a:srgbClr val="FF0000"/>
+                </a:solidFill>
+              </a:rPr>
+              <a:t>2N</a:t>
+            </a:r>
+            <a:r>
+              <a:rPr lang="en-US" dirty="0"/>
+              <a:t>)</a:t>
+            </a:r>
+          </a:p>
+          <a:p>
+            <a:pPr algn="ctr"/>
+            <a:r>
+              <a:rPr lang="en-US" dirty="0"/>
+              <a:t>0.64</a:t>
+            </a:r>
+          </a:p>
+        </p:txBody>
+      </p:sp>
+      <p:sp>
+        <p:nvSpPr>
+          <p:cNvPr id="41" name="TextBox 40">
+            <a:extLst>
+              <a:ext uri="{FF2B5EF4-FFF2-40B4-BE49-F238E27FC236}">
+                <a16:creationId xmlns:a16="http://schemas.microsoft.com/office/drawing/2014/main" id="{499EB806-8C59-6A47-BD1C-F36DFAA2F379}"/>
+              </a:ext>
+            </a:extLst>
+          </p:cNvPr>
+          <p:cNvSpPr txBox="1"/>
+          <p:nvPr/>
+        </p:nvSpPr>
+        <p:spPr>
+          <a:xfrm>
+            <a:off x="4321938" y="3675812"/>
+            <a:ext cx="673582" cy="646331"/>
+          </a:xfrm>
+          <a:prstGeom prst="rect">
+            <a:avLst/>
+          </a:prstGeom>
+          <a:noFill/>
+        </p:spPr>
+        <p:txBody>
+          <a:bodyPr wrap="none" rtlCol="0">
+            <a:spAutoFit/>
+          </a:bodyPr>
+          <a:lstStyle/>
+          <a:p>
+            <a:pPr algn="ctr"/>
+            <a:r>
+              <a:rPr lang="en-US" dirty="0"/>
+              <a:t>P(</a:t>
+            </a:r>
+            <a:r>
+              <a:rPr lang="en-US" dirty="0">
+                <a:solidFill>
+                  <a:srgbClr val="0432FF"/>
+                </a:solidFill>
+              </a:rPr>
+              <a:t>2Y</a:t>
+            </a:r>
+            <a:r>
+              <a:rPr lang="en-US" dirty="0"/>
+              <a:t>)</a:t>
+            </a:r>
+          </a:p>
+          <a:p>
+            <a:pPr algn="ctr"/>
+            <a:r>
+              <a:rPr lang="en-US" dirty="0"/>
+              <a:t>0.04</a:t>
+            </a:r>
+          </a:p>
+        </p:txBody>
+      </p:sp>
+      <p:sp>
+        <p:nvSpPr>
+          <p:cNvPr id="42" name="TextBox 41">
+            <a:extLst>
+              <a:ext uri="{FF2B5EF4-FFF2-40B4-BE49-F238E27FC236}">
+                <a16:creationId xmlns:a16="http://schemas.microsoft.com/office/drawing/2014/main" id="{D8727534-48B4-D443-887D-B4F4E5124087}"/>
+              </a:ext>
+            </a:extLst>
+          </p:cNvPr>
+          <p:cNvSpPr txBox="1"/>
+          <p:nvPr/>
+        </p:nvSpPr>
+        <p:spPr>
+          <a:xfrm>
+            <a:off x="4521896" y="4488079"/>
+            <a:ext cx="301686" cy="646331"/>
+          </a:xfrm>
+          <a:prstGeom prst="rect">
+            <a:avLst/>
+          </a:prstGeom>
+          <a:noFill/>
+        </p:spPr>
+        <p:txBody>
+          <a:bodyPr wrap="none" rtlCol="0">
+            <a:spAutoFit/>
+          </a:bodyPr>
+          <a:lstStyle/>
+          <a:p>
+            <a:r>
+              <a:rPr lang="en-US" b="1" dirty="0">
+                <a:solidFill>
+                  <a:srgbClr val="0432FF"/>
+                </a:solidFill>
+              </a:rPr>
+              <a:t>2</a:t>
+            </a:r>
+          </a:p>
+          <a:p>
+            <a:r>
+              <a:rPr lang="en-US" b="1" dirty="0">
+                <a:solidFill>
+                  <a:srgbClr val="0432FF"/>
+                </a:solidFill>
+              </a:rPr>
+              <a:t>2</a:t>
+            </a:r>
+          </a:p>
+        </p:txBody>
+      </p:sp>
+      <p:sp>
+        <p:nvSpPr>
+          <p:cNvPr id="43" name="TextBox 42">
+            <a:extLst>
+              <a:ext uri="{FF2B5EF4-FFF2-40B4-BE49-F238E27FC236}">
+                <a16:creationId xmlns:a16="http://schemas.microsoft.com/office/drawing/2014/main" id="{1DFD32CA-3ED9-8347-A87C-4FC3AFED1A7B}"/>
+              </a:ext>
+            </a:extLst>
+          </p:cNvPr>
+          <p:cNvSpPr txBox="1"/>
+          <p:nvPr/>
+        </p:nvSpPr>
+        <p:spPr>
+          <a:xfrm>
+            <a:off x="6019462" y="4488079"/>
+            <a:ext cx="301686" cy="646331"/>
+          </a:xfrm>
+          <a:prstGeom prst="rect">
+            <a:avLst/>
+          </a:prstGeom>
+          <a:noFill/>
+        </p:spPr>
+        <p:txBody>
+          <a:bodyPr wrap="none" rtlCol="0">
+            <a:spAutoFit/>
+          </a:bodyPr>
+          <a:lstStyle/>
+          <a:p>
+            <a:r>
+              <a:rPr lang="en-US" b="1" dirty="0">
+                <a:solidFill>
+                  <a:srgbClr val="0432FF"/>
+                </a:solidFill>
+              </a:rPr>
+              <a:t>2</a:t>
+            </a:r>
+          </a:p>
+          <a:p>
+            <a:r>
+              <a:rPr lang="en-US" b="1" dirty="0">
+                <a:solidFill>
+                  <a:srgbClr val="0432FF"/>
+                </a:solidFill>
+              </a:rPr>
+              <a:t>1</a:t>
+            </a:r>
+          </a:p>
+        </p:txBody>
+      </p:sp>
+      <p:sp>
+        <p:nvSpPr>
+          <p:cNvPr id="44" name="TextBox 43">
+            <a:extLst>
+              <a:ext uri="{FF2B5EF4-FFF2-40B4-BE49-F238E27FC236}">
+                <a16:creationId xmlns:a16="http://schemas.microsoft.com/office/drawing/2014/main" id="{565E17AD-A8FC-FF48-92A9-E9F848BBCC98}"/>
+              </a:ext>
+            </a:extLst>
+          </p:cNvPr>
+          <p:cNvSpPr txBox="1"/>
+          <p:nvPr/>
+        </p:nvSpPr>
+        <p:spPr>
+          <a:xfrm>
+            <a:off x="7517028" y="4488079"/>
+            <a:ext cx="301686" cy="646331"/>
+          </a:xfrm>
+          <a:prstGeom prst="rect">
+            <a:avLst/>
+          </a:prstGeom>
+          <a:noFill/>
+        </p:spPr>
+        <p:txBody>
+          <a:bodyPr wrap="none" rtlCol="0">
+            <a:spAutoFit/>
+          </a:bodyPr>
+          <a:lstStyle/>
+          <a:p>
+            <a:r>
+              <a:rPr lang="en-US" b="1" dirty="0">
+                <a:solidFill>
+                  <a:srgbClr val="0432FF"/>
+                </a:solidFill>
+              </a:rPr>
+              <a:t>2</a:t>
+            </a:r>
+          </a:p>
+          <a:p>
+            <a:r>
+              <a:rPr lang="en-US" b="1" dirty="0">
+                <a:solidFill>
+                  <a:srgbClr val="0432FF"/>
+                </a:solidFill>
+              </a:rPr>
+              <a:t>0</a:t>
+            </a:r>
+          </a:p>
+        </p:txBody>
+      </p:sp>
+      <p:sp>
+        <p:nvSpPr>
+          <p:cNvPr id="45" name="TextBox 44">
+            <a:extLst>
+              <a:ext uri="{FF2B5EF4-FFF2-40B4-BE49-F238E27FC236}">
+                <a16:creationId xmlns:a16="http://schemas.microsoft.com/office/drawing/2014/main" id="{4A3F3740-4F48-0E43-AFBA-DF77AC1B3643}"/>
+              </a:ext>
+            </a:extLst>
+          </p:cNvPr>
+          <p:cNvSpPr txBox="1"/>
+          <p:nvPr/>
+        </p:nvSpPr>
+        <p:spPr>
+          <a:xfrm>
+            <a:off x="2548332" y="4387870"/>
+            <a:ext cx="1442511" cy="923330"/>
+          </a:xfrm>
+          <a:prstGeom prst="rect">
+            <a:avLst/>
+          </a:prstGeom>
+          <a:noFill/>
+        </p:spPr>
+        <p:txBody>
+          <a:bodyPr wrap="none" rtlCol="0">
+            <a:spAutoFit/>
+          </a:bodyPr>
+          <a:lstStyle/>
+          <a:p>
+            <a:pPr algn="ctr"/>
+            <a:r>
+              <a:rPr lang="en-US" b="1" i="1" dirty="0"/>
+              <a:t>Binomial</a:t>
+            </a:r>
+          </a:p>
+          <a:p>
+            <a:pPr algn="ctr"/>
+            <a:r>
+              <a:rPr lang="en-US" b="1" i="1" dirty="0"/>
+              <a:t>Coefficient</a:t>
+            </a:r>
+          </a:p>
+          <a:p>
+            <a:pPr algn="ctr"/>
+            <a:r>
+              <a:rPr lang="en-US" dirty="0">
+                <a:solidFill>
+                  <a:srgbClr val="0432FF"/>
+                </a:solidFill>
+              </a:rPr>
+              <a:t>(</a:t>
+            </a:r>
+            <a:r>
+              <a:rPr lang="en-US" b="1" dirty="0">
+                <a:solidFill>
+                  <a:srgbClr val="0432FF"/>
+                </a:solidFill>
+              </a:rPr>
+              <a:t>Y</a:t>
+            </a:r>
+            <a:r>
+              <a:rPr lang="en-US" dirty="0">
+                <a:solidFill>
+                  <a:srgbClr val="0432FF"/>
+                </a:solidFill>
+              </a:rPr>
+              <a:t>=“success”)</a:t>
+            </a:r>
+          </a:p>
+        </p:txBody>
+      </p:sp>
+      <p:sp>
+        <p:nvSpPr>
+          <p:cNvPr id="46" name="TextBox 45">
+            <a:extLst>
+              <a:ext uri="{FF2B5EF4-FFF2-40B4-BE49-F238E27FC236}">
+                <a16:creationId xmlns:a16="http://schemas.microsoft.com/office/drawing/2014/main" id="{D65DCF42-6C3A-754D-A926-0E25714C31B1}"/>
+              </a:ext>
+            </a:extLst>
+          </p:cNvPr>
+          <p:cNvSpPr txBox="1"/>
+          <p:nvPr/>
+        </p:nvSpPr>
+        <p:spPr>
+          <a:xfrm>
+            <a:off x="7305376" y="4426524"/>
+            <a:ext cx="726481" cy="707886"/>
+          </a:xfrm>
+          <a:prstGeom prst="rect">
+            <a:avLst/>
+          </a:prstGeom>
+          <a:noFill/>
+        </p:spPr>
+        <p:txBody>
+          <a:bodyPr wrap="none" rtlCol="0">
+            <a:spAutoFit/>
+          </a:bodyPr>
+          <a:lstStyle/>
+          <a:p>
+            <a:r>
+              <a:rPr lang="en-US" sz="4000" dirty="0">
+                <a:solidFill>
+                  <a:srgbClr val="0432FF"/>
+                </a:solidFill>
+              </a:rPr>
+              <a:t>(  )</a:t>
+            </a:r>
+          </a:p>
+        </p:txBody>
+      </p:sp>
+      <p:sp>
+        <p:nvSpPr>
+          <p:cNvPr id="47" name="TextBox 46">
+            <a:extLst>
+              <a:ext uri="{FF2B5EF4-FFF2-40B4-BE49-F238E27FC236}">
+                <a16:creationId xmlns:a16="http://schemas.microsoft.com/office/drawing/2014/main" id="{9C79894F-AAA3-0C41-8C41-6C0E3CE11BA0}"/>
+              </a:ext>
+            </a:extLst>
+          </p:cNvPr>
+          <p:cNvSpPr txBox="1"/>
+          <p:nvPr/>
+        </p:nvSpPr>
+        <p:spPr>
+          <a:xfrm>
+            <a:off x="4302075" y="4426524"/>
+            <a:ext cx="726481" cy="707886"/>
+          </a:xfrm>
+          <a:prstGeom prst="rect">
+            <a:avLst/>
+          </a:prstGeom>
+          <a:noFill/>
+        </p:spPr>
+        <p:txBody>
+          <a:bodyPr wrap="none" rtlCol="0">
+            <a:spAutoFit/>
+          </a:bodyPr>
+          <a:lstStyle/>
+          <a:p>
+            <a:r>
+              <a:rPr lang="en-US" sz="4000" dirty="0">
+                <a:solidFill>
+                  <a:srgbClr val="0432FF"/>
+                </a:solidFill>
+              </a:rPr>
+              <a:t>(  )</a:t>
+            </a:r>
+          </a:p>
+        </p:txBody>
+      </p:sp>
+      <p:sp>
+        <p:nvSpPr>
+          <p:cNvPr id="48" name="TextBox 47">
+            <a:extLst>
+              <a:ext uri="{FF2B5EF4-FFF2-40B4-BE49-F238E27FC236}">
+                <a16:creationId xmlns:a16="http://schemas.microsoft.com/office/drawing/2014/main" id="{E7C617F0-305C-A048-AE1F-6DDE81D8BAAF}"/>
+              </a:ext>
+            </a:extLst>
+          </p:cNvPr>
+          <p:cNvSpPr txBox="1"/>
+          <p:nvPr/>
+        </p:nvSpPr>
+        <p:spPr>
+          <a:xfrm>
+            <a:off x="5805766" y="4426524"/>
+            <a:ext cx="726481" cy="707886"/>
+          </a:xfrm>
+          <a:prstGeom prst="rect">
+            <a:avLst/>
+          </a:prstGeom>
+          <a:noFill/>
+        </p:spPr>
+        <p:txBody>
+          <a:bodyPr wrap="none" rtlCol="0">
+            <a:spAutoFit/>
+          </a:bodyPr>
+          <a:lstStyle/>
+          <a:p>
+            <a:r>
+              <a:rPr lang="en-US" sz="4000" dirty="0">
+                <a:solidFill>
+                  <a:srgbClr val="0432FF"/>
+                </a:solidFill>
+              </a:rPr>
+              <a:t>(  )</a:t>
+            </a:r>
+          </a:p>
+        </p:txBody>
+      </p:sp>
+      <p:grpSp>
+        <p:nvGrpSpPr>
+          <p:cNvPr id="49" name="Group 48">
+            <a:extLst>
+              <a:ext uri="{FF2B5EF4-FFF2-40B4-BE49-F238E27FC236}">
+                <a16:creationId xmlns:a16="http://schemas.microsoft.com/office/drawing/2014/main" id="{57FF9651-BFF4-EF43-991B-4B9AE6A32001}"/>
+              </a:ext>
+            </a:extLst>
+          </p:cNvPr>
+          <p:cNvGrpSpPr/>
+          <p:nvPr/>
+        </p:nvGrpSpPr>
+        <p:grpSpPr>
+          <a:xfrm>
+            <a:off x="5501370" y="973786"/>
+            <a:ext cx="1190618" cy="595309"/>
+            <a:chOff x="5653091" y="1735792"/>
+            <a:chExt cx="1190618" cy="595309"/>
+          </a:xfrm>
+        </p:grpSpPr>
+        <p:cxnSp>
+          <p:nvCxnSpPr>
+            <p:cNvPr id="50" name="Straight Arrow Connector 49">
               <a:extLst>
                 <a:ext uri="{FF2B5EF4-FFF2-40B4-BE49-F238E27FC236}">
-                  <a16:creationId xmlns:a16="http://schemas.microsoft.com/office/drawing/2014/main" id="{C57E7B25-899D-CE49-9BDC-DBD2A12D564B}"/>
+                  <a16:creationId xmlns:a16="http://schemas.microsoft.com/office/drawing/2014/main" id="{8BBD0F85-1B5B-054E-9F7E-D2D17A6E6AF4}"/>
                 </a:ext>
               </a:extLst>
             </p:cNvPr>
-            <p:cNvSpPr txBox="1"/>
+            <p:cNvCxnSpPr/>
             <p:nvPr/>
-          </p:nvSpPr>
+          </p:nvCxnSpPr>
           <p:spPr>
-            <a:xfrm>
-              <a:off x="5152763" y="1532090"/>
-              <a:ext cx="311304" cy="400110"/>
+            <a:xfrm flipH="1">
+              <a:off x="5653091" y="1735792"/>
+              <a:ext cx="595309" cy="595309"/>
             </a:xfrm>
-            <a:prstGeom prst="rect">
+            <a:prstGeom prst="straightConnector1">
               <a:avLst/>
             </a:prstGeom>
-            <a:noFill/>
+            <a:ln w="19050">
+              <a:solidFill>
+                <a:schemeClr val="tx1"/>
+              </a:solidFill>
+              <a:tailEnd type="triangle" w="lg" len="lg"/>
+            </a:ln>
           </p:spPr>
-          <p:txBody>
-            <a:bodyPr wrap="none" rtlCol="0">
-              <a:spAutoFit/>
-            </a:bodyPr>
-            <a:lstStyle/>
-            <a:p>
-              <a:r>
-                <a:rPr lang="en-US" sz="2000" b="1" dirty="0">
-                  <a:solidFill>
-                    <a:srgbClr val="0432FF"/>
-                  </a:solidFill>
-                </a:rPr>
-                <a:t>T</a:t>
-              </a:r>
-            </a:p>
-          </p:txBody>
-        </p:sp>
-        <p:sp>
-          <p:nvSpPr>
-            <p:cNvPr id="22" name="TextBox 21">
+          <p:style>
+            <a:lnRef idx="1">
+              <a:schemeClr val="accent1"/>
+            </a:lnRef>
+            <a:fillRef idx="0">
+              <a:schemeClr val="accent1"/>
+            </a:fillRef>
+            <a:effectRef idx="0">
+              <a:schemeClr val="accent1"/>
+            </a:effectRef>
+            <a:fontRef idx="minor">
+              <a:schemeClr val="tx1"/>
+            </a:fontRef>
+          </p:style>
+        </p:cxnSp>
+        <p:cxnSp>
+          <p:nvCxnSpPr>
+            <p:cNvPr id="51" name="Straight Arrow Connector 50">
               <a:extLst>
                 <a:ext uri="{FF2B5EF4-FFF2-40B4-BE49-F238E27FC236}">
-                  <a16:creationId xmlns:a16="http://schemas.microsoft.com/office/drawing/2014/main" id="{9E36BC18-E972-9540-8D82-0245DE75CFD5}"/>
+                  <a16:creationId xmlns:a16="http://schemas.microsoft.com/office/drawing/2014/main" id="{67C6825C-5B1D-D846-BF5B-0CB3EB141C16}"/>
                 </a:ext>
               </a:extLst>
             </p:cNvPr>
-            <p:cNvSpPr txBox="1"/>
+            <p:cNvCxnSpPr>
+              <a:cxnSpLocks/>
+            </p:cNvCxnSpPr>
             <p:nvPr/>
-          </p:nvSpPr>
+          </p:nvCxnSpPr>
           <p:spPr>
             <a:xfrm>
-              <a:off x="6735388" y="1532090"/>
-              <a:ext cx="394660" cy="400110"/>
+              <a:off x="6248400" y="1735792"/>
+              <a:ext cx="595309" cy="595309"/>
             </a:xfrm>
-            <a:prstGeom prst="rect">
+            <a:prstGeom prst="straightConnector1">
               <a:avLst/>
             </a:prstGeom>
-            <a:noFill/>
+            <a:ln w="19050">
+              <a:solidFill>
+                <a:schemeClr val="tx1"/>
+              </a:solidFill>
+              <a:tailEnd type="triangle" w="lg" len="lg"/>
+            </a:ln>
           </p:spPr>
-          <p:txBody>
-            <a:bodyPr wrap="none" rtlCol="0">
-              <a:spAutoFit/>
-            </a:bodyPr>
-            <a:lstStyle/>
-            <a:p>
-              <a:r>
-                <a:rPr lang="en-US" sz="2000" b="1" dirty="0">
-                  <a:solidFill>
-                    <a:srgbClr val="FF0000"/>
-                  </a:solidFill>
-                </a:rPr>
-                <a:t>!T</a:t>
-              </a:r>
-            </a:p>
-          </p:txBody>
-        </p:sp>
-        <p:sp>
-          <p:nvSpPr>
-            <p:cNvPr id="23" name="TextBox 22">
-              <a:extLst>
-                <a:ext uri="{FF2B5EF4-FFF2-40B4-BE49-F238E27FC236}">
-                  <a16:creationId xmlns:a16="http://schemas.microsoft.com/office/drawing/2014/main" id="{38C0B6CC-66B4-AB4F-B4F2-7D3A890FBCBA}"/>
-                </a:ext>
-              </a:extLst>
-            </p:cNvPr>
-            <p:cNvSpPr txBox="1"/>
-            <p:nvPr/>
-          </p:nvSpPr>
-          <p:spPr>
-            <a:xfrm>
-              <a:off x="4500849" y="2503671"/>
-              <a:ext cx="311304" cy="400110"/>
-            </a:xfrm>
-            <a:prstGeom prst="rect">
-              <a:avLst/>
-            </a:prstGeom>
-            <a:noFill/>
-          </p:spPr>
-          <p:txBody>
-            <a:bodyPr wrap="none" rtlCol="0">
-              <a:spAutoFit/>
-            </a:bodyPr>
-            <a:lstStyle/>
-            <a:p>
-              <a:r>
-                <a:rPr lang="en-US" sz="2000" b="1" dirty="0">
-                  <a:solidFill>
-                    <a:srgbClr val="0432FF"/>
-                  </a:solidFill>
-                </a:rPr>
-                <a:t>T</a:t>
-              </a:r>
-            </a:p>
-          </p:txBody>
-        </p:sp>
-        <p:sp>
-          <p:nvSpPr>
-            <p:cNvPr id="25" name="TextBox 24">
-              <a:extLst>
-                <a:ext uri="{FF2B5EF4-FFF2-40B4-BE49-F238E27FC236}">
-                  <a16:creationId xmlns:a16="http://schemas.microsoft.com/office/drawing/2014/main" id="{99FF3418-DDBF-1946-B4CE-63381FDBC241}"/>
-                </a:ext>
-              </a:extLst>
-            </p:cNvPr>
-            <p:cNvSpPr txBox="1"/>
-            <p:nvPr/>
-          </p:nvSpPr>
-          <p:spPr>
-            <a:xfrm>
-              <a:off x="5378604" y="966166"/>
-              <a:ext cx="476412" cy="369332"/>
-            </a:xfrm>
-            <a:prstGeom prst="rect">
-              <a:avLst/>
-            </a:prstGeom>
-            <a:noFill/>
-          </p:spPr>
-          <p:txBody>
-            <a:bodyPr wrap="none" rtlCol="0">
-              <a:spAutoFit/>
-            </a:bodyPr>
-            <a:lstStyle/>
-            <a:p>
-              <a:r>
-                <a:rPr lang="en-US" dirty="0"/>
-                <a:t>0.2</a:t>
-              </a:r>
-            </a:p>
-          </p:txBody>
-        </p:sp>
-        <p:sp>
-          <p:nvSpPr>
-            <p:cNvPr id="26" name="TextBox 25">
-              <a:extLst>
-                <a:ext uri="{FF2B5EF4-FFF2-40B4-BE49-F238E27FC236}">
-                  <a16:creationId xmlns:a16="http://schemas.microsoft.com/office/drawing/2014/main" id="{505B9B09-0D17-5C49-90CB-FE7AAE7B5005}"/>
-                </a:ext>
-              </a:extLst>
-            </p:cNvPr>
-            <p:cNvSpPr txBox="1"/>
-            <p:nvPr/>
-          </p:nvSpPr>
-          <p:spPr>
-            <a:xfrm>
-              <a:off x="6395779" y="966166"/>
-              <a:ext cx="476412" cy="369332"/>
-            </a:xfrm>
-            <a:prstGeom prst="rect">
-              <a:avLst/>
-            </a:prstGeom>
-            <a:noFill/>
-          </p:spPr>
-          <p:txBody>
-            <a:bodyPr wrap="none" rtlCol="0">
-              <a:spAutoFit/>
-            </a:bodyPr>
-            <a:lstStyle/>
-            <a:p>
-              <a:r>
-                <a:rPr lang="en-US" dirty="0"/>
-                <a:t>0.8</a:t>
-              </a:r>
-            </a:p>
-          </p:txBody>
-        </p:sp>
-        <p:sp>
-          <p:nvSpPr>
-            <p:cNvPr id="27" name="TextBox 26">
-              <a:extLst>
-                <a:ext uri="{FF2B5EF4-FFF2-40B4-BE49-F238E27FC236}">
-                  <a16:creationId xmlns:a16="http://schemas.microsoft.com/office/drawing/2014/main" id="{E67C5767-97EE-504E-B324-1BD9F4CC06D7}"/>
-                </a:ext>
-              </a:extLst>
-            </p:cNvPr>
-            <p:cNvSpPr txBox="1"/>
-            <p:nvPr/>
-          </p:nvSpPr>
-          <p:spPr>
-            <a:xfrm>
-              <a:off x="6187351" y="1927764"/>
-              <a:ext cx="476412" cy="369332"/>
-            </a:xfrm>
-            <a:prstGeom prst="rect">
-              <a:avLst/>
-            </a:prstGeom>
-            <a:noFill/>
-          </p:spPr>
-          <p:txBody>
-            <a:bodyPr wrap="none" rtlCol="0">
-              <a:spAutoFit/>
-            </a:bodyPr>
-            <a:lstStyle/>
-            <a:p>
-              <a:r>
-                <a:rPr lang="en-US" dirty="0"/>
-                <a:t>0.2</a:t>
-              </a:r>
-            </a:p>
-          </p:txBody>
-        </p:sp>
-        <p:sp>
-          <p:nvSpPr>
-            <p:cNvPr id="28" name="TextBox 27">
-              <a:extLst>
-                <a:ext uri="{FF2B5EF4-FFF2-40B4-BE49-F238E27FC236}">
-                  <a16:creationId xmlns:a16="http://schemas.microsoft.com/office/drawing/2014/main" id="{C6E34178-6445-3247-984B-7D116D227EDF}"/>
-                </a:ext>
-              </a:extLst>
-            </p:cNvPr>
-            <p:cNvSpPr txBox="1"/>
-            <p:nvPr/>
-          </p:nvSpPr>
-          <p:spPr>
-            <a:xfrm>
-              <a:off x="7204526" y="1927764"/>
-              <a:ext cx="476412" cy="369332"/>
-            </a:xfrm>
-            <a:prstGeom prst="rect">
-              <a:avLst/>
-            </a:prstGeom>
-            <a:noFill/>
-          </p:spPr>
-          <p:txBody>
-            <a:bodyPr wrap="none" rtlCol="0">
-              <a:spAutoFit/>
-            </a:bodyPr>
-            <a:lstStyle/>
-            <a:p>
-              <a:r>
-                <a:rPr lang="en-US" dirty="0"/>
-                <a:t>0.8</a:t>
-              </a:r>
-            </a:p>
-          </p:txBody>
-        </p:sp>
-        <p:sp>
-          <p:nvSpPr>
-            <p:cNvPr id="29" name="TextBox 28">
-              <a:extLst>
-                <a:ext uri="{FF2B5EF4-FFF2-40B4-BE49-F238E27FC236}">
-                  <a16:creationId xmlns:a16="http://schemas.microsoft.com/office/drawing/2014/main" id="{7849EEFB-9C2D-F946-BBAD-95E0103ECB6F}"/>
-                </a:ext>
-              </a:extLst>
-            </p:cNvPr>
-            <p:cNvSpPr txBox="1"/>
-            <p:nvPr/>
-          </p:nvSpPr>
-          <p:spPr>
-            <a:xfrm>
-              <a:off x="4568504" y="1935837"/>
-              <a:ext cx="476412" cy="369332"/>
-            </a:xfrm>
-            <a:prstGeom prst="rect">
-              <a:avLst/>
-            </a:prstGeom>
-            <a:noFill/>
-          </p:spPr>
-          <p:txBody>
-            <a:bodyPr wrap="none" rtlCol="0">
-              <a:spAutoFit/>
-            </a:bodyPr>
-            <a:lstStyle/>
-            <a:p>
-              <a:r>
-                <a:rPr lang="en-US" dirty="0"/>
-                <a:t>0.2</a:t>
-              </a:r>
-            </a:p>
-          </p:txBody>
-        </p:sp>
-        <p:sp>
-          <p:nvSpPr>
-            <p:cNvPr id="30" name="TextBox 29">
-              <a:extLst>
-                <a:ext uri="{FF2B5EF4-FFF2-40B4-BE49-F238E27FC236}">
-                  <a16:creationId xmlns:a16="http://schemas.microsoft.com/office/drawing/2014/main" id="{F5827BEA-8B8E-9443-8F85-F8D26457FDC9}"/>
-                </a:ext>
-              </a:extLst>
-            </p:cNvPr>
-            <p:cNvSpPr txBox="1"/>
-            <p:nvPr/>
-          </p:nvSpPr>
-          <p:spPr>
-            <a:xfrm>
-              <a:off x="5585679" y="1935837"/>
-              <a:ext cx="476412" cy="369332"/>
-            </a:xfrm>
-            <a:prstGeom prst="rect">
-              <a:avLst/>
-            </a:prstGeom>
-            <a:noFill/>
-          </p:spPr>
-          <p:txBody>
-            <a:bodyPr wrap="none" rtlCol="0">
-              <a:spAutoFit/>
-            </a:bodyPr>
-            <a:lstStyle/>
-            <a:p>
-              <a:r>
-                <a:rPr lang="en-US" dirty="0"/>
-                <a:t>0.8</a:t>
-              </a:r>
-            </a:p>
-          </p:txBody>
-        </p:sp>
-        <p:sp>
-          <p:nvSpPr>
-            <p:cNvPr id="31" name="TextBox 30">
-              <a:extLst>
-                <a:ext uri="{FF2B5EF4-FFF2-40B4-BE49-F238E27FC236}">
-                  <a16:creationId xmlns:a16="http://schemas.microsoft.com/office/drawing/2014/main" id="{156B73A5-729D-8546-AB74-344F97E2D7DD}"/>
-                </a:ext>
-              </a:extLst>
-            </p:cNvPr>
-            <p:cNvSpPr txBox="1"/>
-            <p:nvPr/>
-          </p:nvSpPr>
-          <p:spPr>
-            <a:xfrm>
-              <a:off x="7434451" y="2500319"/>
-              <a:ext cx="394660" cy="400110"/>
-            </a:xfrm>
-            <a:prstGeom prst="rect">
-              <a:avLst/>
-            </a:prstGeom>
-            <a:noFill/>
-          </p:spPr>
-          <p:txBody>
-            <a:bodyPr wrap="none" rtlCol="0">
-              <a:spAutoFit/>
-            </a:bodyPr>
-            <a:lstStyle/>
-            <a:p>
-              <a:r>
-                <a:rPr lang="en-US" sz="2000" b="1" dirty="0">
-                  <a:solidFill>
-                    <a:srgbClr val="FF0000"/>
-                  </a:solidFill>
-                </a:rPr>
-                <a:t>!T</a:t>
-              </a:r>
-            </a:p>
-          </p:txBody>
-        </p:sp>
-        <p:sp>
-          <p:nvSpPr>
-            <p:cNvPr id="32" name="TextBox 31">
-              <a:extLst>
-                <a:ext uri="{FF2B5EF4-FFF2-40B4-BE49-F238E27FC236}">
-                  <a16:creationId xmlns:a16="http://schemas.microsoft.com/office/drawing/2014/main" id="{443634A9-ACE3-9947-BAB7-07DEB50E16E9}"/>
-                </a:ext>
-              </a:extLst>
-            </p:cNvPr>
-            <p:cNvSpPr txBox="1"/>
-            <p:nvPr/>
-          </p:nvSpPr>
-          <p:spPr>
-            <a:xfrm>
-              <a:off x="6211636" y="2500319"/>
-              <a:ext cx="311304" cy="400110"/>
-            </a:xfrm>
-            <a:prstGeom prst="rect">
-              <a:avLst/>
-            </a:prstGeom>
-            <a:noFill/>
-          </p:spPr>
-          <p:txBody>
-            <a:bodyPr wrap="none" rtlCol="0">
-              <a:spAutoFit/>
-            </a:bodyPr>
-            <a:lstStyle/>
-            <a:p>
-              <a:r>
-                <a:rPr lang="en-US" sz="2000" b="1" dirty="0">
-                  <a:solidFill>
-                    <a:srgbClr val="0432FF"/>
-                  </a:solidFill>
-                </a:rPr>
-                <a:t>T</a:t>
-              </a:r>
-            </a:p>
-          </p:txBody>
-        </p:sp>
-        <p:sp>
-          <p:nvSpPr>
-            <p:cNvPr id="33" name="TextBox 32">
-              <a:extLst>
-                <a:ext uri="{FF2B5EF4-FFF2-40B4-BE49-F238E27FC236}">
-                  <a16:creationId xmlns:a16="http://schemas.microsoft.com/office/drawing/2014/main" id="{B1731E81-4129-3448-B3BB-687EE7CD1AD4}"/>
-                </a:ext>
-              </a:extLst>
-            </p:cNvPr>
-            <p:cNvSpPr txBox="1"/>
-            <p:nvPr/>
-          </p:nvSpPr>
-          <p:spPr>
-            <a:xfrm>
-              <a:off x="4321408" y="2922414"/>
-              <a:ext cx="687817" cy="646331"/>
-            </a:xfrm>
-            <a:prstGeom prst="rect">
-              <a:avLst/>
-            </a:prstGeom>
-            <a:noFill/>
-          </p:spPr>
-          <p:txBody>
-            <a:bodyPr wrap="none" rtlCol="0">
-              <a:spAutoFit/>
-            </a:bodyPr>
-            <a:lstStyle/>
-            <a:p>
-              <a:pPr algn="ctr"/>
-              <a:r>
-                <a:rPr lang="en-US" dirty="0"/>
-                <a:t>P(</a:t>
-              </a:r>
-              <a:r>
-                <a:rPr lang="en-US" dirty="0">
-                  <a:solidFill>
-                    <a:srgbClr val="0432FF"/>
-                  </a:solidFill>
-                </a:rPr>
-                <a:t>T</a:t>
-              </a:r>
-              <a:r>
-                <a:rPr lang="en-US" dirty="0"/>
-                <a:t>,</a:t>
-              </a:r>
-              <a:r>
-                <a:rPr lang="en-US" dirty="0">
-                  <a:solidFill>
-                    <a:srgbClr val="0432FF"/>
-                  </a:solidFill>
-                </a:rPr>
-                <a:t>T</a:t>
-              </a:r>
-              <a:r>
-                <a:rPr lang="en-US" dirty="0"/>
-                <a:t>)</a:t>
-              </a:r>
-            </a:p>
-            <a:p>
-              <a:pPr algn="ctr"/>
-              <a:r>
-                <a:rPr lang="en-US" dirty="0"/>
-                <a:t>0.04</a:t>
-              </a:r>
-            </a:p>
-          </p:txBody>
-        </p:sp>
-        <p:sp>
-          <p:nvSpPr>
-            <p:cNvPr id="34" name="TextBox 33">
-              <a:extLst>
-                <a:ext uri="{FF2B5EF4-FFF2-40B4-BE49-F238E27FC236}">
-                  <a16:creationId xmlns:a16="http://schemas.microsoft.com/office/drawing/2014/main" id="{9247905E-7AD5-2943-95D1-574AFB49BDB9}"/>
-                </a:ext>
-              </a:extLst>
-            </p:cNvPr>
-            <p:cNvSpPr txBox="1"/>
-            <p:nvPr/>
-          </p:nvSpPr>
-          <p:spPr>
-            <a:xfrm>
-              <a:off x="5390778" y="2922414"/>
-              <a:ext cx="778162" cy="646331"/>
-            </a:xfrm>
-            <a:prstGeom prst="rect">
-              <a:avLst/>
-            </a:prstGeom>
-            <a:noFill/>
-          </p:spPr>
-          <p:txBody>
-            <a:bodyPr wrap="none" rtlCol="0">
-              <a:spAutoFit/>
-            </a:bodyPr>
-            <a:lstStyle/>
-            <a:p>
-              <a:pPr algn="ctr"/>
-              <a:r>
-                <a:rPr lang="en-US" dirty="0"/>
-                <a:t>P(</a:t>
-              </a:r>
-              <a:r>
-                <a:rPr lang="en-US" dirty="0">
-                  <a:solidFill>
-                    <a:srgbClr val="0432FF"/>
-                  </a:solidFill>
-                </a:rPr>
-                <a:t>T</a:t>
-              </a:r>
-              <a:r>
-                <a:rPr lang="en-US" dirty="0"/>
-                <a:t>,</a:t>
-              </a:r>
-              <a:r>
-                <a:rPr lang="en-US" dirty="0">
-                  <a:solidFill>
-                    <a:srgbClr val="FF0000"/>
-                  </a:solidFill>
-                </a:rPr>
-                <a:t>!T</a:t>
-              </a:r>
-              <a:r>
-                <a:rPr lang="en-US" dirty="0"/>
-                <a:t>)</a:t>
-              </a:r>
-            </a:p>
-            <a:p>
-              <a:pPr algn="ctr"/>
-              <a:r>
-                <a:rPr lang="en-US" dirty="0"/>
-                <a:t>0.16</a:t>
-              </a:r>
-            </a:p>
-          </p:txBody>
-        </p:sp>
-        <p:sp>
-          <p:nvSpPr>
-            <p:cNvPr id="35" name="TextBox 34">
-              <a:extLst>
-                <a:ext uri="{FF2B5EF4-FFF2-40B4-BE49-F238E27FC236}">
-                  <a16:creationId xmlns:a16="http://schemas.microsoft.com/office/drawing/2014/main" id="{36667F89-6AEC-D144-972E-68166BBA8F0D}"/>
-                </a:ext>
-              </a:extLst>
-            </p:cNvPr>
-            <p:cNvSpPr txBox="1"/>
-            <p:nvPr/>
-          </p:nvSpPr>
-          <p:spPr>
-            <a:xfrm>
-              <a:off x="6120917" y="2922414"/>
-              <a:ext cx="831060" cy="646331"/>
-            </a:xfrm>
-            <a:prstGeom prst="rect">
-              <a:avLst/>
-            </a:prstGeom>
-            <a:noFill/>
-          </p:spPr>
-          <p:txBody>
-            <a:bodyPr wrap="none" rtlCol="0">
-              <a:spAutoFit/>
-            </a:bodyPr>
-            <a:lstStyle/>
-            <a:p>
-              <a:pPr algn="ctr"/>
-              <a:r>
-                <a:rPr lang="en-US" dirty="0"/>
-                <a:t>P(</a:t>
-              </a:r>
-              <a:r>
-                <a:rPr lang="en-US" dirty="0">
-                  <a:solidFill>
-                    <a:srgbClr val="FF0000"/>
-                  </a:solidFill>
-                </a:rPr>
-                <a:t>!T</a:t>
-              </a:r>
-              <a:r>
-                <a:rPr lang="en-US" dirty="0"/>
-                <a:t>,</a:t>
-              </a:r>
-              <a:r>
-                <a:rPr lang="en-US" dirty="0">
-                  <a:solidFill>
-                    <a:srgbClr val="0432FF"/>
-                  </a:solidFill>
-                </a:rPr>
-                <a:t> T</a:t>
-              </a:r>
-              <a:r>
-                <a:rPr lang="en-US" dirty="0"/>
-                <a:t>)</a:t>
-              </a:r>
-            </a:p>
-            <a:p>
-              <a:pPr algn="ctr"/>
-              <a:r>
-                <a:rPr lang="en-US" dirty="0"/>
-                <a:t>0.16</a:t>
-              </a:r>
-            </a:p>
-          </p:txBody>
-        </p:sp>
-        <p:sp>
-          <p:nvSpPr>
-            <p:cNvPr id="36" name="TextBox 35">
-              <a:extLst>
-                <a:ext uri="{FF2B5EF4-FFF2-40B4-BE49-F238E27FC236}">
-                  <a16:creationId xmlns:a16="http://schemas.microsoft.com/office/drawing/2014/main" id="{417AACA4-CF67-DB4F-84E9-3EDA8332D2C5}"/>
-                </a:ext>
-              </a:extLst>
-            </p:cNvPr>
-            <p:cNvSpPr txBox="1"/>
-            <p:nvPr/>
-          </p:nvSpPr>
-          <p:spPr>
-            <a:xfrm>
-              <a:off x="7178110" y="2922414"/>
-              <a:ext cx="853503" cy="646331"/>
-            </a:xfrm>
-            <a:prstGeom prst="rect">
-              <a:avLst/>
-            </a:prstGeom>
-            <a:noFill/>
-          </p:spPr>
-          <p:txBody>
-            <a:bodyPr wrap="none" rtlCol="0">
-              <a:spAutoFit/>
-            </a:bodyPr>
-            <a:lstStyle/>
-            <a:p>
-              <a:pPr algn="ctr"/>
-              <a:r>
-                <a:rPr lang="en-US" dirty="0"/>
-                <a:t>P</a:t>
-              </a:r>
-              <a:r>
-                <a:rPr lang="en-US" dirty="0">
-                  <a:solidFill>
-                    <a:srgbClr val="FF0000"/>
-                  </a:solidFill>
-                </a:rPr>
-                <a:t>(!T</a:t>
-              </a:r>
-              <a:r>
-                <a:rPr lang="en-US" dirty="0"/>
-                <a:t>,</a:t>
-              </a:r>
-              <a:r>
-                <a:rPr lang="en-US" dirty="0">
-                  <a:solidFill>
-                    <a:srgbClr val="FF0000"/>
-                  </a:solidFill>
-                </a:rPr>
-                <a:t>!T</a:t>
-              </a:r>
-              <a:r>
-                <a:rPr lang="en-US" dirty="0"/>
-                <a:t>)</a:t>
-              </a:r>
-            </a:p>
-            <a:p>
-              <a:pPr algn="ctr"/>
-              <a:r>
-                <a:rPr lang="en-US" dirty="0"/>
-                <a:t>0.64</a:t>
-              </a:r>
-            </a:p>
-          </p:txBody>
-        </p:sp>
-        <p:sp>
-          <p:nvSpPr>
-            <p:cNvPr id="37" name="TextBox 36">
-              <a:extLst>
-                <a:ext uri="{FF2B5EF4-FFF2-40B4-BE49-F238E27FC236}">
-                  <a16:creationId xmlns:a16="http://schemas.microsoft.com/office/drawing/2014/main" id="{F2806EB7-EB39-1745-911C-0FA7B7C3F1EF}"/>
-                </a:ext>
-              </a:extLst>
-            </p:cNvPr>
-            <p:cNvSpPr txBox="1"/>
-            <p:nvPr/>
-          </p:nvSpPr>
-          <p:spPr>
-            <a:xfrm>
-              <a:off x="2531274" y="3083306"/>
-              <a:ext cx="1476623" cy="369332"/>
-            </a:xfrm>
-            <a:prstGeom prst="rect">
-              <a:avLst/>
-            </a:prstGeom>
-            <a:noFill/>
-          </p:spPr>
-          <p:txBody>
-            <a:bodyPr wrap="none" rtlCol="0">
-              <a:spAutoFit/>
-            </a:bodyPr>
-            <a:lstStyle/>
-            <a:p>
-              <a:r>
-                <a:rPr lang="en-US" b="1" i="1" dirty="0"/>
-                <a:t>Permutations</a:t>
-              </a:r>
-            </a:p>
-          </p:txBody>
-        </p:sp>
-        <p:sp>
-          <p:nvSpPr>
-            <p:cNvPr id="38" name="TextBox 37">
-              <a:extLst>
-                <a:ext uri="{FF2B5EF4-FFF2-40B4-BE49-F238E27FC236}">
-                  <a16:creationId xmlns:a16="http://schemas.microsoft.com/office/drawing/2014/main" id="{D7EF6506-9923-6F4D-94F6-2FCBB0225AA3}"/>
-                </a:ext>
-              </a:extLst>
-            </p:cNvPr>
-            <p:cNvSpPr txBox="1"/>
-            <p:nvPr/>
-          </p:nvSpPr>
-          <p:spPr>
-            <a:xfrm>
-              <a:off x="2516270" y="3811903"/>
-              <a:ext cx="1506631" cy="369332"/>
-            </a:xfrm>
-            <a:prstGeom prst="rect">
-              <a:avLst/>
-            </a:prstGeom>
-            <a:noFill/>
-          </p:spPr>
-          <p:txBody>
-            <a:bodyPr wrap="none" rtlCol="0">
-              <a:spAutoFit/>
-            </a:bodyPr>
-            <a:lstStyle/>
-            <a:p>
-              <a:r>
-                <a:rPr lang="en-US" b="1" i="1" dirty="0"/>
-                <a:t>Combinations</a:t>
-              </a:r>
-            </a:p>
-          </p:txBody>
-        </p:sp>
-        <p:sp>
-          <p:nvSpPr>
-            <p:cNvPr id="39" name="TextBox 38">
-              <a:extLst>
-                <a:ext uri="{FF2B5EF4-FFF2-40B4-BE49-F238E27FC236}">
-                  <a16:creationId xmlns:a16="http://schemas.microsoft.com/office/drawing/2014/main" id="{7B2BBB82-2507-6343-BC28-4773C14FC908}"/>
-                </a:ext>
-              </a:extLst>
-            </p:cNvPr>
-            <p:cNvSpPr txBox="1"/>
-            <p:nvPr/>
-          </p:nvSpPr>
-          <p:spPr>
-            <a:xfrm>
-              <a:off x="5640684" y="3675812"/>
-              <a:ext cx="1012200" cy="646331"/>
-            </a:xfrm>
-            <a:prstGeom prst="rect">
-              <a:avLst/>
-            </a:prstGeom>
-            <a:noFill/>
-          </p:spPr>
-          <p:txBody>
-            <a:bodyPr wrap="none" rtlCol="0">
-              <a:spAutoFit/>
-            </a:bodyPr>
-            <a:lstStyle/>
-            <a:p>
-              <a:pPr algn="ctr"/>
-              <a:r>
-                <a:rPr lang="en-US" dirty="0"/>
-                <a:t>P(</a:t>
-              </a:r>
-              <a:r>
-                <a:rPr lang="en-US" dirty="0">
-                  <a:solidFill>
-                    <a:srgbClr val="0432FF"/>
-                  </a:solidFill>
-                </a:rPr>
-                <a:t>1T</a:t>
-              </a:r>
-              <a:r>
-                <a:rPr lang="en-US" dirty="0"/>
-                <a:t>,</a:t>
-              </a:r>
-              <a:r>
-                <a:rPr lang="en-US" dirty="0">
-                  <a:solidFill>
-                    <a:srgbClr val="FF0000"/>
-                  </a:solidFill>
-                </a:rPr>
-                <a:t>1!T</a:t>
-              </a:r>
-              <a:r>
-                <a:rPr lang="en-US" dirty="0"/>
-                <a:t>)</a:t>
-              </a:r>
-            </a:p>
-            <a:p>
-              <a:pPr algn="ctr"/>
-              <a:r>
-                <a:rPr lang="en-US" dirty="0"/>
-                <a:t>0.32</a:t>
-              </a:r>
-            </a:p>
-          </p:txBody>
-        </p:sp>
-        <p:sp>
-          <p:nvSpPr>
-            <p:cNvPr id="40" name="TextBox 39">
-              <a:extLst>
-                <a:ext uri="{FF2B5EF4-FFF2-40B4-BE49-F238E27FC236}">
-                  <a16:creationId xmlns:a16="http://schemas.microsoft.com/office/drawing/2014/main" id="{D3511E37-2CCB-DA4A-A577-EFA55B4775F7}"/>
-                </a:ext>
-              </a:extLst>
-            </p:cNvPr>
-            <p:cNvSpPr txBox="1"/>
-            <p:nvPr/>
-          </p:nvSpPr>
-          <p:spPr>
-            <a:xfrm>
-              <a:off x="7247673" y="3675812"/>
-              <a:ext cx="748924" cy="646331"/>
-            </a:xfrm>
-            <a:prstGeom prst="rect">
-              <a:avLst/>
-            </a:prstGeom>
-            <a:noFill/>
-          </p:spPr>
-          <p:txBody>
-            <a:bodyPr wrap="none" rtlCol="0">
-              <a:spAutoFit/>
-            </a:bodyPr>
-            <a:lstStyle/>
-            <a:p>
-              <a:pPr algn="ctr"/>
-              <a:r>
-                <a:rPr lang="en-US" dirty="0"/>
-                <a:t>P(</a:t>
-              </a:r>
-              <a:r>
-                <a:rPr lang="en-US" dirty="0">
-                  <a:solidFill>
-                    <a:srgbClr val="FF0000"/>
-                  </a:solidFill>
-                </a:rPr>
-                <a:t>2!T</a:t>
-              </a:r>
-              <a:r>
-                <a:rPr lang="en-US" dirty="0"/>
-                <a:t>)</a:t>
-              </a:r>
-            </a:p>
-            <a:p>
-              <a:pPr algn="ctr"/>
-              <a:r>
-                <a:rPr lang="en-US" dirty="0"/>
-                <a:t>0.64</a:t>
-              </a:r>
-            </a:p>
-          </p:txBody>
-        </p:sp>
-        <p:sp>
-          <p:nvSpPr>
-            <p:cNvPr id="41" name="TextBox 40">
-              <a:extLst>
-                <a:ext uri="{FF2B5EF4-FFF2-40B4-BE49-F238E27FC236}">
-                  <a16:creationId xmlns:a16="http://schemas.microsoft.com/office/drawing/2014/main" id="{499EB806-8C59-6A47-BD1C-F36DFAA2F379}"/>
-                </a:ext>
-              </a:extLst>
-            </p:cNvPr>
-            <p:cNvSpPr txBox="1"/>
-            <p:nvPr/>
-          </p:nvSpPr>
-          <p:spPr>
-            <a:xfrm>
-              <a:off x="4321938" y="3675812"/>
-              <a:ext cx="673582" cy="646331"/>
-            </a:xfrm>
-            <a:prstGeom prst="rect">
-              <a:avLst/>
-            </a:prstGeom>
-            <a:noFill/>
-          </p:spPr>
-          <p:txBody>
-            <a:bodyPr wrap="none" rtlCol="0">
-              <a:spAutoFit/>
-            </a:bodyPr>
-            <a:lstStyle/>
-            <a:p>
-              <a:pPr algn="ctr"/>
-              <a:r>
-                <a:rPr lang="en-US" dirty="0"/>
-                <a:t>P(</a:t>
-              </a:r>
-              <a:r>
-                <a:rPr lang="en-US" dirty="0">
-                  <a:solidFill>
-                    <a:srgbClr val="0432FF"/>
-                  </a:solidFill>
-                </a:rPr>
-                <a:t>2T</a:t>
-              </a:r>
-              <a:r>
-                <a:rPr lang="en-US" dirty="0"/>
-                <a:t>)</a:t>
-              </a:r>
-            </a:p>
-            <a:p>
-              <a:pPr algn="ctr"/>
-              <a:r>
-                <a:rPr lang="en-US" dirty="0"/>
-                <a:t>0.04</a:t>
-              </a:r>
-            </a:p>
-          </p:txBody>
-        </p:sp>
-        <p:sp>
-          <p:nvSpPr>
-            <p:cNvPr id="42" name="TextBox 41">
-              <a:extLst>
-                <a:ext uri="{FF2B5EF4-FFF2-40B4-BE49-F238E27FC236}">
-                  <a16:creationId xmlns:a16="http://schemas.microsoft.com/office/drawing/2014/main" id="{D8727534-48B4-D443-887D-B4F4E5124087}"/>
-                </a:ext>
-              </a:extLst>
-            </p:cNvPr>
-            <p:cNvSpPr txBox="1"/>
-            <p:nvPr/>
-          </p:nvSpPr>
-          <p:spPr>
-            <a:xfrm>
-              <a:off x="4521896" y="4488079"/>
-              <a:ext cx="301686" cy="646331"/>
-            </a:xfrm>
-            <a:prstGeom prst="rect">
-              <a:avLst/>
-            </a:prstGeom>
-            <a:noFill/>
-          </p:spPr>
-          <p:txBody>
-            <a:bodyPr wrap="none" rtlCol="0">
-              <a:spAutoFit/>
-            </a:bodyPr>
-            <a:lstStyle/>
-            <a:p>
-              <a:r>
-                <a:rPr lang="en-US" b="1" dirty="0"/>
-                <a:t>2</a:t>
-              </a:r>
-            </a:p>
-            <a:p>
-              <a:r>
-                <a:rPr lang="en-US" b="1" dirty="0"/>
-                <a:t>2</a:t>
-              </a:r>
-            </a:p>
-          </p:txBody>
-        </p:sp>
-        <p:sp>
-          <p:nvSpPr>
-            <p:cNvPr id="43" name="TextBox 42">
-              <a:extLst>
-                <a:ext uri="{FF2B5EF4-FFF2-40B4-BE49-F238E27FC236}">
-                  <a16:creationId xmlns:a16="http://schemas.microsoft.com/office/drawing/2014/main" id="{1DFD32CA-3ED9-8347-A87C-4FC3AFED1A7B}"/>
-                </a:ext>
-              </a:extLst>
-            </p:cNvPr>
-            <p:cNvSpPr txBox="1"/>
-            <p:nvPr/>
-          </p:nvSpPr>
-          <p:spPr>
-            <a:xfrm>
-              <a:off x="6019462" y="4488079"/>
-              <a:ext cx="301686" cy="646331"/>
-            </a:xfrm>
-            <a:prstGeom prst="rect">
-              <a:avLst/>
-            </a:prstGeom>
-            <a:noFill/>
-          </p:spPr>
-          <p:txBody>
-            <a:bodyPr wrap="none" rtlCol="0">
-              <a:spAutoFit/>
-            </a:bodyPr>
-            <a:lstStyle/>
-            <a:p>
-              <a:r>
-                <a:rPr lang="en-US" b="1" dirty="0"/>
-                <a:t>2</a:t>
-              </a:r>
-            </a:p>
-            <a:p>
-              <a:r>
-                <a:rPr lang="en-US" b="1" dirty="0"/>
-                <a:t>1</a:t>
-              </a:r>
-            </a:p>
-          </p:txBody>
-        </p:sp>
-        <p:sp>
-          <p:nvSpPr>
-            <p:cNvPr id="44" name="TextBox 43">
-              <a:extLst>
-                <a:ext uri="{FF2B5EF4-FFF2-40B4-BE49-F238E27FC236}">
-                  <a16:creationId xmlns:a16="http://schemas.microsoft.com/office/drawing/2014/main" id="{565E17AD-A8FC-FF48-92A9-E9F848BBCC98}"/>
-                </a:ext>
-              </a:extLst>
-            </p:cNvPr>
-            <p:cNvSpPr txBox="1"/>
-            <p:nvPr/>
-          </p:nvSpPr>
-          <p:spPr>
-            <a:xfrm>
-              <a:off x="7517028" y="4488079"/>
-              <a:ext cx="301686" cy="646331"/>
-            </a:xfrm>
-            <a:prstGeom prst="rect">
-              <a:avLst/>
-            </a:prstGeom>
-            <a:noFill/>
-          </p:spPr>
-          <p:txBody>
-            <a:bodyPr wrap="none" rtlCol="0">
-              <a:spAutoFit/>
-            </a:bodyPr>
-            <a:lstStyle/>
-            <a:p>
-              <a:r>
-                <a:rPr lang="en-US" b="1" dirty="0"/>
-                <a:t>2</a:t>
-              </a:r>
-            </a:p>
-            <a:p>
-              <a:r>
-                <a:rPr lang="en-US" b="1" dirty="0"/>
-                <a:t>0</a:t>
-              </a:r>
-            </a:p>
-          </p:txBody>
-        </p:sp>
-        <p:sp>
-          <p:nvSpPr>
-            <p:cNvPr id="45" name="TextBox 44">
-              <a:extLst>
-                <a:ext uri="{FF2B5EF4-FFF2-40B4-BE49-F238E27FC236}">
-                  <a16:creationId xmlns:a16="http://schemas.microsoft.com/office/drawing/2014/main" id="{4A3F3740-4F48-0E43-AFBA-DF77AC1B3643}"/>
-                </a:ext>
-              </a:extLst>
-            </p:cNvPr>
-            <p:cNvSpPr txBox="1"/>
-            <p:nvPr/>
-          </p:nvSpPr>
-          <p:spPr>
-            <a:xfrm>
-              <a:off x="2548332" y="4387870"/>
-              <a:ext cx="1442511" cy="923330"/>
-            </a:xfrm>
-            <a:prstGeom prst="rect">
-              <a:avLst/>
-            </a:prstGeom>
-            <a:noFill/>
-          </p:spPr>
-          <p:txBody>
-            <a:bodyPr wrap="none" rtlCol="0">
-              <a:spAutoFit/>
-            </a:bodyPr>
-            <a:lstStyle/>
-            <a:p>
-              <a:pPr algn="ctr"/>
-              <a:r>
-                <a:rPr lang="en-US" b="1" i="1" dirty="0"/>
-                <a:t>Binomial</a:t>
-              </a:r>
-            </a:p>
-            <a:p>
-              <a:pPr algn="ctr"/>
-              <a:r>
-                <a:rPr lang="en-US" b="1" i="1" dirty="0"/>
-                <a:t>Coefficient</a:t>
-              </a:r>
-            </a:p>
-            <a:p>
-              <a:pPr algn="ctr"/>
-              <a:r>
-                <a:rPr lang="en-US" dirty="0"/>
-                <a:t>(</a:t>
-              </a:r>
-              <a:r>
-                <a:rPr lang="en-US" b="1" dirty="0">
-                  <a:solidFill>
-                    <a:srgbClr val="0432FF"/>
-                  </a:solidFill>
-                </a:rPr>
-                <a:t>T</a:t>
-              </a:r>
-              <a:r>
-                <a:rPr lang="en-US" dirty="0"/>
-                <a:t>=“success”)</a:t>
-              </a:r>
-            </a:p>
-          </p:txBody>
-        </p:sp>
-        <p:sp>
-          <p:nvSpPr>
-            <p:cNvPr id="46" name="TextBox 45">
-              <a:extLst>
-                <a:ext uri="{FF2B5EF4-FFF2-40B4-BE49-F238E27FC236}">
-                  <a16:creationId xmlns:a16="http://schemas.microsoft.com/office/drawing/2014/main" id="{D65DCF42-6C3A-754D-A926-0E25714C31B1}"/>
-                </a:ext>
-              </a:extLst>
-            </p:cNvPr>
-            <p:cNvSpPr txBox="1"/>
-            <p:nvPr/>
-          </p:nvSpPr>
-          <p:spPr>
-            <a:xfrm>
-              <a:off x="7305376" y="4426524"/>
-              <a:ext cx="726481" cy="707886"/>
-            </a:xfrm>
-            <a:prstGeom prst="rect">
-              <a:avLst/>
-            </a:prstGeom>
-            <a:noFill/>
-          </p:spPr>
-          <p:txBody>
-            <a:bodyPr wrap="none" rtlCol="0">
-              <a:spAutoFit/>
-            </a:bodyPr>
-            <a:lstStyle/>
-            <a:p>
-              <a:r>
-                <a:rPr lang="en-US" sz="4000" dirty="0"/>
-                <a:t>(  )</a:t>
-              </a:r>
-            </a:p>
-          </p:txBody>
-        </p:sp>
-        <p:sp>
-          <p:nvSpPr>
-            <p:cNvPr id="47" name="TextBox 46">
-              <a:extLst>
-                <a:ext uri="{FF2B5EF4-FFF2-40B4-BE49-F238E27FC236}">
-                  <a16:creationId xmlns:a16="http://schemas.microsoft.com/office/drawing/2014/main" id="{9C79894F-AAA3-0C41-8C41-6C0E3CE11BA0}"/>
-                </a:ext>
-              </a:extLst>
-            </p:cNvPr>
-            <p:cNvSpPr txBox="1"/>
-            <p:nvPr/>
-          </p:nvSpPr>
-          <p:spPr>
-            <a:xfrm>
-              <a:off x="4302075" y="4426524"/>
-              <a:ext cx="726481" cy="707886"/>
-            </a:xfrm>
-            <a:prstGeom prst="rect">
-              <a:avLst/>
-            </a:prstGeom>
-            <a:noFill/>
-          </p:spPr>
-          <p:txBody>
-            <a:bodyPr wrap="none" rtlCol="0">
-              <a:spAutoFit/>
-            </a:bodyPr>
-            <a:lstStyle/>
-            <a:p>
-              <a:r>
-                <a:rPr lang="en-US" sz="4000" dirty="0"/>
-                <a:t>(  )</a:t>
-              </a:r>
-            </a:p>
-          </p:txBody>
-        </p:sp>
-        <p:sp>
-          <p:nvSpPr>
-            <p:cNvPr id="48" name="TextBox 47">
-              <a:extLst>
-                <a:ext uri="{FF2B5EF4-FFF2-40B4-BE49-F238E27FC236}">
-                  <a16:creationId xmlns:a16="http://schemas.microsoft.com/office/drawing/2014/main" id="{E7C617F0-305C-A048-AE1F-6DDE81D8BAAF}"/>
-                </a:ext>
-              </a:extLst>
-            </p:cNvPr>
-            <p:cNvSpPr txBox="1"/>
-            <p:nvPr/>
-          </p:nvSpPr>
-          <p:spPr>
-            <a:xfrm>
-              <a:off x="5805766" y="4426524"/>
-              <a:ext cx="726481" cy="707886"/>
-            </a:xfrm>
-            <a:prstGeom prst="rect">
-              <a:avLst/>
-            </a:prstGeom>
-            <a:noFill/>
-          </p:spPr>
-          <p:txBody>
-            <a:bodyPr wrap="none" rtlCol="0">
-              <a:spAutoFit/>
-            </a:bodyPr>
-            <a:lstStyle/>
-            <a:p>
-              <a:r>
-                <a:rPr lang="en-US" sz="4000" dirty="0"/>
-                <a:t>(  )</a:t>
-              </a:r>
-            </a:p>
-          </p:txBody>
-        </p:sp>
-        <p:grpSp>
-          <p:nvGrpSpPr>
-            <p:cNvPr id="49" name="Group 48">
-              <a:extLst>
-                <a:ext uri="{FF2B5EF4-FFF2-40B4-BE49-F238E27FC236}">
-                  <a16:creationId xmlns:a16="http://schemas.microsoft.com/office/drawing/2014/main" id="{57FF9651-BFF4-EF43-991B-4B9AE6A32001}"/>
-                </a:ext>
-              </a:extLst>
-            </p:cNvPr>
-            <p:cNvGrpSpPr/>
-            <p:nvPr/>
-          </p:nvGrpSpPr>
-          <p:grpSpPr>
-            <a:xfrm>
-              <a:off x="5501370" y="973786"/>
-              <a:ext cx="1190618" cy="595309"/>
-              <a:chOff x="5653091" y="1735792"/>
-              <a:chExt cx="1190618" cy="595309"/>
-            </a:xfrm>
-          </p:grpSpPr>
-          <p:cxnSp>
-            <p:nvCxnSpPr>
-              <p:cNvPr id="50" name="Straight Arrow Connector 49">
-                <a:extLst>
-                  <a:ext uri="{FF2B5EF4-FFF2-40B4-BE49-F238E27FC236}">
-                    <a16:creationId xmlns:a16="http://schemas.microsoft.com/office/drawing/2014/main" id="{8BBD0F85-1B5B-054E-9F7E-D2D17A6E6AF4}"/>
-                  </a:ext>
-                </a:extLst>
-              </p:cNvPr>
-              <p:cNvCxnSpPr/>
-              <p:nvPr/>
-            </p:nvCxnSpPr>
-            <p:spPr>
-              <a:xfrm flipH="1">
-                <a:off x="5653091" y="1735792"/>
-                <a:ext cx="595309" cy="595309"/>
-              </a:xfrm>
-              <a:prstGeom prst="straightConnector1">
-                <a:avLst/>
-              </a:prstGeom>
-              <a:ln w="19050">
-                <a:solidFill>
-                  <a:schemeClr val="tx1"/>
-                </a:solidFill>
-                <a:tailEnd type="triangle" w="lg" len="lg"/>
-              </a:ln>
-            </p:spPr>
-            <p:style>
-              <a:lnRef idx="1">
-                <a:schemeClr val="accent1"/>
-              </a:lnRef>
-              <a:fillRef idx="0">
-                <a:schemeClr val="accent1"/>
-              </a:fillRef>
-              <a:effectRef idx="0">
-                <a:schemeClr val="accent1"/>
-              </a:effectRef>
-              <a:fontRef idx="minor">
-                <a:schemeClr val="tx1"/>
-              </a:fontRef>
-            </p:style>
-          </p:cxnSp>
-          <p:cxnSp>
-            <p:nvCxnSpPr>
-              <p:cNvPr id="51" name="Straight Arrow Connector 50">
-                <a:extLst>
-                  <a:ext uri="{FF2B5EF4-FFF2-40B4-BE49-F238E27FC236}">
-                    <a16:creationId xmlns:a16="http://schemas.microsoft.com/office/drawing/2014/main" id="{67C6825C-5B1D-D846-BF5B-0CB3EB141C16}"/>
-                  </a:ext>
-                </a:extLst>
-              </p:cNvPr>
-              <p:cNvCxnSpPr>
-                <a:cxnSpLocks/>
-              </p:cNvCxnSpPr>
-              <p:nvPr/>
-            </p:nvCxnSpPr>
-            <p:spPr>
-              <a:xfrm>
-                <a:off x="6248400" y="1735792"/>
-                <a:ext cx="595309" cy="595309"/>
-              </a:xfrm>
-              <a:prstGeom prst="straightConnector1">
-                <a:avLst/>
-              </a:prstGeom>
-              <a:ln w="19050">
-                <a:solidFill>
-                  <a:schemeClr val="tx1"/>
-                </a:solidFill>
-                <a:tailEnd type="triangle" w="lg" len="lg"/>
-              </a:ln>
-            </p:spPr>
-            <p:style>
-              <a:lnRef idx="1">
-                <a:schemeClr val="accent1"/>
-              </a:lnRef>
-              <a:fillRef idx="0">
-                <a:schemeClr val="accent1"/>
-              </a:fillRef>
-              <a:effectRef idx="0">
-                <a:schemeClr val="accent1"/>
-              </a:effectRef>
-              <a:fontRef idx="minor">
-                <a:schemeClr val="tx1"/>
-              </a:fontRef>
-            </p:style>
-          </p:cxnSp>
-        </p:grpSp>
-        <p:sp>
-          <p:nvSpPr>
-            <p:cNvPr id="2" name="TextBox 1">
-              <a:extLst>
-                <a:ext uri="{FF2B5EF4-FFF2-40B4-BE49-F238E27FC236}">
-                  <a16:creationId xmlns:a16="http://schemas.microsoft.com/office/drawing/2014/main" id="{0DF41E21-E705-D04C-AAD8-D2B0997787E8}"/>
-                </a:ext>
-              </a:extLst>
-            </p:cNvPr>
-            <p:cNvSpPr txBox="1"/>
-            <p:nvPr/>
-          </p:nvSpPr>
-          <p:spPr>
-            <a:xfrm>
-              <a:off x="2799152" y="1558432"/>
-              <a:ext cx="841769" cy="369332"/>
-            </a:xfrm>
-            <a:prstGeom prst="rect">
-              <a:avLst/>
-            </a:prstGeom>
-            <a:noFill/>
-          </p:spPr>
-          <p:txBody>
-            <a:bodyPr wrap="none" rtlCol="0">
-              <a:spAutoFit/>
-            </a:bodyPr>
-            <a:lstStyle/>
-            <a:p>
-              <a:r>
-                <a:rPr lang="en-US" dirty="0"/>
-                <a:t>1</a:t>
-              </a:r>
-              <a:r>
-                <a:rPr lang="en-US" baseline="30000" dirty="0"/>
-                <a:t>st</a:t>
-              </a:r>
-              <a:r>
-                <a:rPr lang="en-US" dirty="0"/>
-                <a:t> pick</a:t>
-              </a:r>
-            </a:p>
-          </p:txBody>
-        </p:sp>
-        <p:sp>
-          <p:nvSpPr>
-            <p:cNvPr id="53" name="TextBox 52">
-              <a:extLst>
-                <a:ext uri="{FF2B5EF4-FFF2-40B4-BE49-F238E27FC236}">
-                  <a16:creationId xmlns:a16="http://schemas.microsoft.com/office/drawing/2014/main" id="{552B069A-09DF-5049-A011-D9446490BB29}"/>
-                </a:ext>
-              </a:extLst>
-            </p:cNvPr>
-            <p:cNvSpPr txBox="1"/>
-            <p:nvPr/>
-          </p:nvSpPr>
-          <p:spPr>
-            <a:xfrm>
-              <a:off x="2774241" y="2470013"/>
-              <a:ext cx="891591" cy="369332"/>
-            </a:xfrm>
-            <a:prstGeom prst="rect">
-              <a:avLst/>
-            </a:prstGeom>
-            <a:noFill/>
-          </p:spPr>
-          <p:txBody>
-            <a:bodyPr wrap="none" rtlCol="0">
-              <a:spAutoFit/>
-            </a:bodyPr>
-            <a:lstStyle/>
-            <a:p>
-              <a:r>
-                <a:rPr lang="en-US" dirty="0"/>
-                <a:t>2</a:t>
-              </a:r>
-              <a:r>
-                <a:rPr lang="en-US" baseline="30000" dirty="0"/>
-                <a:t>nd</a:t>
-              </a:r>
-              <a:r>
-                <a:rPr lang="en-US" dirty="0"/>
-                <a:t> pick</a:t>
-              </a:r>
-            </a:p>
-          </p:txBody>
-        </p:sp>
+          <p:style>
+            <a:lnRef idx="1">
+              <a:schemeClr val="accent1"/>
+            </a:lnRef>
+            <a:fillRef idx="0">
+              <a:schemeClr val="accent1"/>
+            </a:fillRef>
+            <a:effectRef idx="0">
+              <a:schemeClr val="accent1"/>
+            </a:effectRef>
+            <a:fontRef idx="minor">
+              <a:schemeClr val="tx1"/>
+            </a:fontRef>
+          </p:style>
+        </p:cxnSp>
       </p:grpSp>
+      <p:sp>
+        <p:nvSpPr>
+          <p:cNvPr id="2" name="TextBox 1">
+            <a:extLst>
+              <a:ext uri="{FF2B5EF4-FFF2-40B4-BE49-F238E27FC236}">
+                <a16:creationId xmlns:a16="http://schemas.microsoft.com/office/drawing/2014/main" id="{0DF41E21-E705-D04C-AAD8-D2B0997787E8}"/>
+              </a:ext>
+            </a:extLst>
+          </p:cNvPr>
+          <p:cNvSpPr txBox="1"/>
+          <p:nvPr/>
+        </p:nvSpPr>
+        <p:spPr>
+          <a:xfrm>
+            <a:off x="2799152" y="1558432"/>
+            <a:ext cx="841769" cy="369332"/>
+          </a:xfrm>
+          <a:prstGeom prst="rect">
+            <a:avLst/>
+          </a:prstGeom>
+          <a:noFill/>
+        </p:spPr>
+        <p:txBody>
+          <a:bodyPr wrap="none" rtlCol="0">
+            <a:spAutoFit/>
+          </a:bodyPr>
+          <a:lstStyle/>
+          <a:p>
+            <a:r>
+              <a:rPr lang="en-US" dirty="0"/>
+              <a:t>1</a:t>
+            </a:r>
+            <a:r>
+              <a:rPr lang="en-US" baseline="30000" dirty="0"/>
+              <a:t>st</a:t>
+            </a:r>
+            <a:r>
+              <a:rPr lang="en-US" dirty="0"/>
+              <a:t> pick</a:t>
+            </a:r>
+          </a:p>
+        </p:txBody>
+      </p:sp>
+      <p:sp>
+        <p:nvSpPr>
+          <p:cNvPr id="53" name="TextBox 52">
+            <a:extLst>
+              <a:ext uri="{FF2B5EF4-FFF2-40B4-BE49-F238E27FC236}">
+                <a16:creationId xmlns:a16="http://schemas.microsoft.com/office/drawing/2014/main" id="{552B069A-09DF-5049-A011-D9446490BB29}"/>
+              </a:ext>
+            </a:extLst>
+          </p:cNvPr>
+          <p:cNvSpPr txBox="1"/>
+          <p:nvPr/>
+        </p:nvSpPr>
+        <p:spPr>
+          <a:xfrm>
+            <a:off x="2774241" y="2470013"/>
+            <a:ext cx="891591" cy="369332"/>
+          </a:xfrm>
+          <a:prstGeom prst="rect">
+            <a:avLst/>
+          </a:prstGeom>
+          <a:noFill/>
+        </p:spPr>
+        <p:txBody>
+          <a:bodyPr wrap="none" rtlCol="0">
+            <a:spAutoFit/>
+          </a:bodyPr>
+          <a:lstStyle/>
+          <a:p>
+            <a:r>
+              <a:rPr lang="en-US" dirty="0"/>
+              <a:t>2</a:t>
+            </a:r>
+            <a:r>
+              <a:rPr lang="en-US" baseline="30000" dirty="0"/>
+              <a:t>nd</a:t>
+            </a:r>
+            <a:r>
+              <a:rPr lang="en-US" dirty="0"/>
+              <a:t> pick</a:t>
+            </a:r>
+          </a:p>
+        </p:txBody>
+      </p:sp>
     </p:spTree>
     <p:extLst>
       <p:ext uri="{BB962C8B-B14F-4D97-AF65-F5344CB8AC3E}">
